--- a/CS407/CS407_-_Group_Assignment.pptx
+++ b/CS407/CS407_-_Group_Assignment.pptx
@@ -12,6 +12,8 @@
     <p:sldId id="260" r:id="rId6"/>
     <p:sldId id="261" r:id="rId7"/>
     <p:sldId id="262" r:id="rId8"/>
+    <p:sldId id="263" r:id="rId9"/>
+    <p:sldId id="264" r:id="rId10"/>
   </p:sldIdLst>
   <p:sldSz cx="12192000" cy="6858000"/>
   <p:notesSz cx="6858000" cy="9144000"/>
@@ -1959,6 +1961,927 @@
 </file>
 
 <file path=ppt/diagrams/colors3.xml><?xml version="1.0" encoding="utf-8"?>
+<dgm:colorsDef xmlns:dgm="http://schemas.openxmlformats.org/drawingml/2006/diagram" xmlns:a="http://schemas.openxmlformats.org/drawingml/2006/main" uniqueId="urn:microsoft.com/office/officeart/2018/5/colors/Iconchunking_neutralicon_colorful1">
+  <dgm:title val=""/>
+  <dgm:desc val=""/>
+  <dgm:catLst>
+    <dgm:cat type="colorful" pri="10100"/>
+  </dgm:catLst>
+  <dgm:styleLbl name="node0">
+    <dgm:fillClrLst meth="repeat">
+      <a:schemeClr val="accent1"/>
+    </dgm:fillClrLst>
+    <dgm:linClrLst meth="repeat">
+      <a:schemeClr val="lt1"/>
+    </dgm:linClrLst>
+    <dgm:effectClrLst/>
+    <dgm:txLinClrLst/>
+    <dgm:txFillClrLst/>
+    <dgm:txEffectClrLst/>
+  </dgm:styleLbl>
+  <dgm:styleLbl name="node1">
+    <dgm:fillClrLst meth="repeat">
+      <a:schemeClr val="bg1"/>
+    </dgm:fillClrLst>
+    <dgm:linClrLst meth="repeat">
+      <a:schemeClr val="lt1">
+        <a:alpha val="0"/>
+      </a:schemeClr>
+    </dgm:linClrLst>
+    <dgm:effectClrLst/>
+    <dgm:txLinClrLst/>
+    <dgm:txFillClrLst meth="repeat">
+      <a:schemeClr val="dk1"/>
+    </dgm:txFillClrLst>
+    <dgm:txEffectClrLst/>
+  </dgm:styleLbl>
+  <dgm:styleLbl name="alignNode1">
+    <dgm:fillClrLst meth="repeat">
+      <a:schemeClr val="accent2"/>
+      <a:schemeClr val="accent3"/>
+      <a:schemeClr val="accent4"/>
+      <a:schemeClr val="accent5"/>
+      <a:schemeClr val="accent6"/>
+    </dgm:fillClrLst>
+    <dgm:linClrLst meth="repeat">
+      <a:schemeClr val="accent2"/>
+      <a:schemeClr val="accent3"/>
+      <a:schemeClr val="accent4"/>
+      <a:schemeClr val="accent5"/>
+      <a:schemeClr val="accent6"/>
+    </dgm:linClrLst>
+    <dgm:effectClrLst/>
+    <dgm:txLinClrLst/>
+    <dgm:txFillClrLst/>
+    <dgm:txEffectClrLst/>
+  </dgm:styleLbl>
+  <dgm:styleLbl name="lnNode1">
+    <dgm:fillClrLst meth="repeat">
+      <a:schemeClr val="accent2"/>
+      <a:schemeClr val="accent3"/>
+      <a:schemeClr val="accent4"/>
+      <a:schemeClr val="accent5"/>
+      <a:schemeClr val="accent6"/>
+    </dgm:fillClrLst>
+    <dgm:linClrLst meth="repeat">
+      <a:schemeClr val="lt1"/>
+    </dgm:linClrLst>
+    <dgm:effectClrLst/>
+    <dgm:txLinClrLst/>
+    <dgm:txFillClrLst/>
+    <dgm:txEffectClrLst/>
+  </dgm:styleLbl>
+  <dgm:styleLbl name="vennNode1">
+    <dgm:fillClrLst meth="repeat">
+      <a:schemeClr val="accent2">
+        <a:alpha val="50000"/>
+      </a:schemeClr>
+      <a:schemeClr val="accent3">
+        <a:alpha val="50000"/>
+      </a:schemeClr>
+      <a:schemeClr val="accent4">
+        <a:alpha val="50000"/>
+      </a:schemeClr>
+      <a:schemeClr val="accent5">
+        <a:alpha val="50000"/>
+      </a:schemeClr>
+      <a:schemeClr val="accent6">
+        <a:alpha val="50000"/>
+      </a:schemeClr>
+    </dgm:fillClrLst>
+    <dgm:linClrLst meth="repeat">
+      <a:schemeClr val="lt1"/>
+    </dgm:linClrLst>
+    <dgm:effectClrLst/>
+    <dgm:txLinClrLst/>
+    <dgm:txFillClrLst/>
+    <dgm:txEffectClrLst/>
+  </dgm:styleLbl>
+  <dgm:styleLbl name="node2">
+    <dgm:fillClrLst>
+      <a:schemeClr val="accent2"/>
+    </dgm:fillClrLst>
+    <dgm:linClrLst meth="repeat">
+      <a:schemeClr val="lt1"/>
+    </dgm:linClrLst>
+    <dgm:effectClrLst/>
+    <dgm:txLinClrLst/>
+    <dgm:txFillClrLst/>
+    <dgm:txEffectClrLst/>
+  </dgm:styleLbl>
+  <dgm:styleLbl name="node3">
+    <dgm:fillClrLst>
+      <a:schemeClr val="accent3"/>
+    </dgm:fillClrLst>
+    <dgm:linClrLst meth="repeat">
+      <a:schemeClr val="lt1"/>
+    </dgm:linClrLst>
+    <dgm:effectClrLst/>
+    <dgm:txLinClrLst/>
+    <dgm:txFillClrLst/>
+    <dgm:txEffectClrLst/>
+  </dgm:styleLbl>
+  <dgm:styleLbl name="node4">
+    <dgm:fillClrLst>
+      <a:schemeClr val="accent4"/>
+    </dgm:fillClrLst>
+    <dgm:linClrLst meth="repeat">
+      <a:schemeClr val="lt1"/>
+    </dgm:linClrLst>
+    <dgm:effectClrLst/>
+    <dgm:txLinClrLst/>
+    <dgm:txFillClrLst/>
+    <dgm:txEffectClrLst/>
+  </dgm:styleLbl>
+  <dgm:styleLbl name="fgImgPlace1">
+    <dgm:fillClrLst meth="repeat">
+      <a:schemeClr val="accent2">
+        <a:tint val="50000"/>
+      </a:schemeClr>
+      <a:schemeClr val="accent3">
+        <a:tint val="50000"/>
+      </a:schemeClr>
+      <a:schemeClr val="accent4">
+        <a:tint val="50000"/>
+      </a:schemeClr>
+      <a:schemeClr val="accent5">
+        <a:tint val="50000"/>
+      </a:schemeClr>
+      <a:schemeClr val="accent6">
+        <a:tint val="50000"/>
+      </a:schemeClr>
+    </dgm:fillClrLst>
+    <dgm:linClrLst meth="repeat">
+      <a:schemeClr val="lt1"/>
+    </dgm:linClrLst>
+    <dgm:effectClrLst/>
+    <dgm:txLinClrLst/>
+    <dgm:txFillClrLst meth="repeat">
+      <a:schemeClr val="lt1"/>
+    </dgm:txFillClrLst>
+    <dgm:txEffectClrLst/>
+  </dgm:styleLbl>
+  <dgm:styleLbl name="alignImgPlace1">
+    <dgm:fillClrLst>
+      <a:schemeClr val="accent1">
+        <a:tint val="50000"/>
+      </a:schemeClr>
+      <a:schemeClr val="accent2">
+        <a:tint val="20000"/>
+      </a:schemeClr>
+    </dgm:fillClrLst>
+    <dgm:linClrLst meth="repeat">
+      <a:schemeClr val="lt1"/>
+    </dgm:linClrLst>
+    <dgm:effectClrLst/>
+    <dgm:txLinClrLst/>
+    <dgm:txFillClrLst meth="repeat">
+      <a:schemeClr val="lt1"/>
+    </dgm:txFillClrLst>
+    <dgm:txEffectClrLst/>
+  </dgm:styleLbl>
+  <dgm:styleLbl name="bgImgPlace1">
+    <dgm:fillClrLst>
+      <a:schemeClr val="accent1">
+        <a:tint val="50000"/>
+      </a:schemeClr>
+      <a:schemeClr val="accent2">
+        <a:tint val="20000"/>
+      </a:schemeClr>
+    </dgm:fillClrLst>
+    <dgm:linClrLst meth="repeat">
+      <a:schemeClr val="lt1"/>
+    </dgm:linClrLst>
+    <dgm:effectClrLst/>
+    <dgm:txLinClrLst/>
+    <dgm:txFillClrLst meth="repeat">
+      <a:schemeClr val="lt1"/>
+    </dgm:txFillClrLst>
+    <dgm:txEffectClrLst/>
+  </dgm:styleLbl>
+  <dgm:styleLbl name="sibTrans2D1">
+    <dgm:fillClrLst meth="repeat">
+      <a:schemeClr val="accent2"/>
+      <a:schemeClr val="accent3"/>
+      <a:schemeClr val="accent4"/>
+      <a:schemeClr val="accent5"/>
+      <a:schemeClr val="accent6"/>
+    </dgm:fillClrLst>
+    <dgm:linClrLst meth="cycle">
+      <a:schemeClr val="lt1"/>
+    </dgm:linClrLst>
+    <dgm:effectClrLst/>
+    <dgm:txLinClrLst/>
+    <dgm:txFillClrLst/>
+    <dgm:txEffectClrLst/>
+  </dgm:styleLbl>
+  <dgm:styleLbl name="fgSibTrans2D1">
+    <dgm:fillClrLst meth="repeat">
+      <a:schemeClr val="accent2"/>
+      <a:schemeClr val="accent3"/>
+      <a:schemeClr val="accent4"/>
+      <a:schemeClr val="accent5"/>
+      <a:schemeClr val="accent6"/>
+    </dgm:fillClrLst>
+    <dgm:linClrLst meth="cycle">
+      <a:schemeClr val="lt1"/>
+    </dgm:linClrLst>
+    <dgm:effectClrLst/>
+    <dgm:txLinClrLst/>
+    <dgm:txFillClrLst meth="repeat">
+      <a:schemeClr val="lt1"/>
+    </dgm:txFillClrLst>
+    <dgm:txEffectClrLst/>
+  </dgm:styleLbl>
+  <dgm:styleLbl name="bgSibTrans2D1">
+    <dgm:fillClrLst meth="repeat">
+      <a:schemeClr val="accent2"/>
+      <a:schemeClr val="accent3"/>
+      <a:schemeClr val="accent4"/>
+      <a:schemeClr val="accent5"/>
+      <a:schemeClr val="accent6"/>
+    </dgm:fillClrLst>
+    <dgm:linClrLst meth="cycle">
+      <a:schemeClr val="lt1"/>
+    </dgm:linClrLst>
+    <dgm:effectClrLst/>
+    <dgm:txLinClrLst/>
+    <dgm:txFillClrLst meth="repeat">
+      <a:schemeClr val="lt1"/>
+    </dgm:txFillClrLst>
+    <dgm:txEffectClrLst/>
+  </dgm:styleLbl>
+  <dgm:styleLbl name="sibTrans1D1">
+    <dgm:fillClrLst meth="repeat">
+      <a:schemeClr val="accent2"/>
+      <a:schemeClr val="accent3"/>
+      <a:schemeClr val="accent4"/>
+      <a:schemeClr val="accent5"/>
+      <a:schemeClr val="accent6"/>
+    </dgm:fillClrLst>
+    <dgm:linClrLst meth="repeat">
+      <a:schemeClr val="accent2"/>
+      <a:schemeClr val="accent3"/>
+      <a:schemeClr val="accent4"/>
+      <a:schemeClr val="accent5"/>
+      <a:schemeClr val="accent6"/>
+    </dgm:linClrLst>
+    <dgm:effectClrLst/>
+    <dgm:txLinClrLst/>
+    <dgm:txFillClrLst meth="repeat">
+      <a:schemeClr val="tx1"/>
+    </dgm:txFillClrLst>
+    <dgm:txEffectClrLst/>
+  </dgm:styleLbl>
+  <dgm:styleLbl name="callout">
+    <dgm:fillClrLst meth="repeat">
+      <a:schemeClr val="accent2"/>
+    </dgm:fillClrLst>
+    <dgm:linClrLst meth="repeat">
+      <a:schemeClr val="accent2">
+        <a:tint val="50000"/>
+      </a:schemeClr>
+    </dgm:linClrLst>
+    <dgm:effectClrLst/>
+    <dgm:txLinClrLst/>
+    <dgm:txFillClrLst meth="repeat">
+      <a:schemeClr val="tx1"/>
+    </dgm:txFillClrLst>
+    <dgm:txEffectClrLst/>
+  </dgm:styleLbl>
+  <dgm:styleLbl name="asst0">
+    <dgm:fillClrLst meth="repeat">
+      <a:schemeClr val="accent1"/>
+    </dgm:fillClrLst>
+    <dgm:linClrLst meth="repeat">
+      <a:schemeClr val="lt1"/>
+    </dgm:linClrLst>
+    <dgm:effectClrLst/>
+    <dgm:txLinClrLst/>
+    <dgm:txFillClrLst/>
+    <dgm:txEffectClrLst/>
+  </dgm:styleLbl>
+  <dgm:styleLbl name="asst1">
+    <dgm:fillClrLst meth="repeat">
+      <a:schemeClr val="accent2"/>
+    </dgm:fillClrLst>
+    <dgm:linClrLst meth="repeat">
+      <a:schemeClr val="lt1"/>
+    </dgm:linClrLst>
+    <dgm:effectClrLst/>
+    <dgm:txLinClrLst/>
+    <dgm:txFillClrLst/>
+    <dgm:txEffectClrLst/>
+  </dgm:styleLbl>
+  <dgm:styleLbl name="asst2">
+    <dgm:fillClrLst>
+      <a:schemeClr val="accent3"/>
+    </dgm:fillClrLst>
+    <dgm:linClrLst meth="repeat">
+      <a:schemeClr val="lt1"/>
+    </dgm:linClrLst>
+    <dgm:effectClrLst/>
+    <dgm:txLinClrLst/>
+    <dgm:txFillClrLst/>
+    <dgm:txEffectClrLst/>
+  </dgm:styleLbl>
+  <dgm:styleLbl name="asst3">
+    <dgm:fillClrLst>
+      <a:schemeClr val="accent4"/>
+    </dgm:fillClrLst>
+    <dgm:linClrLst meth="repeat">
+      <a:schemeClr val="lt1"/>
+    </dgm:linClrLst>
+    <dgm:effectClrLst/>
+    <dgm:txLinClrLst/>
+    <dgm:txFillClrLst/>
+    <dgm:txEffectClrLst/>
+  </dgm:styleLbl>
+  <dgm:styleLbl name="asst4">
+    <dgm:fillClrLst>
+      <a:schemeClr val="accent5"/>
+    </dgm:fillClrLst>
+    <dgm:linClrLst meth="repeat">
+      <a:schemeClr val="lt1"/>
+    </dgm:linClrLst>
+    <dgm:effectClrLst/>
+    <dgm:txLinClrLst/>
+    <dgm:txFillClrLst/>
+    <dgm:txEffectClrLst/>
+  </dgm:styleLbl>
+  <dgm:styleLbl name="parChTrans2D1">
+    <dgm:fillClrLst meth="repeat">
+      <a:schemeClr val="accent2"/>
+    </dgm:fillClrLst>
+    <dgm:linClrLst meth="repeat">
+      <a:schemeClr val="lt1"/>
+    </dgm:linClrLst>
+    <dgm:effectClrLst/>
+    <dgm:txLinClrLst/>
+    <dgm:txFillClrLst meth="repeat">
+      <a:schemeClr val="lt1"/>
+    </dgm:txFillClrLst>
+    <dgm:txEffectClrLst/>
+  </dgm:styleLbl>
+  <dgm:styleLbl name="parChTrans2D2">
+    <dgm:fillClrLst meth="repeat">
+      <a:schemeClr val="accent3"/>
+    </dgm:fillClrLst>
+    <dgm:linClrLst meth="repeat">
+      <a:schemeClr val="lt1"/>
+    </dgm:linClrLst>
+    <dgm:effectClrLst/>
+    <dgm:txLinClrLst/>
+    <dgm:txFillClrLst/>
+    <dgm:txEffectClrLst/>
+  </dgm:styleLbl>
+  <dgm:styleLbl name="parChTrans2D3">
+    <dgm:fillClrLst meth="repeat">
+      <a:schemeClr val="accent4"/>
+    </dgm:fillClrLst>
+    <dgm:linClrLst meth="repeat">
+      <a:schemeClr val="lt1"/>
+    </dgm:linClrLst>
+    <dgm:effectClrLst/>
+    <dgm:txLinClrLst/>
+    <dgm:txFillClrLst/>
+    <dgm:txEffectClrLst/>
+  </dgm:styleLbl>
+  <dgm:styleLbl name="parChTrans2D4">
+    <dgm:fillClrLst meth="repeat">
+      <a:schemeClr val="accent5"/>
+    </dgm:fillClrLst>
+    <dgm:linClrLst meth="repeat">
+      <a:schemeClr val="lt1"/>
+    </dgm:linClrLst>
+    <dgm:effectClrLst/>
+    <dgm:txLinClrLst/>
+    <dgm:txFillClrLst meth="repeat">
+      <a:schemeClr val="lt1"/>
+    </dgm:txFillClrLst>
+    <dgm:txEffectClrLst/>
+  </dgm:styleLbl>
+  <dgm:styleLbl name="parChTrans1D1">
+    <dgm:fillClrLst meth="repeat">
+      <a:schemeClr val="accent2"/>
+    </dgm:fillClrLst>
+    <dgm:linClrLst meth="repeat">
+      <a:schemeClr val="accent1"/>
+    </dgm:linClrLst>
+    <dgm:effectClrLst/>
+    <dgm:txLinClrLst/>
+    <dgm:txFillClrLst meth="repeat">
+      <a:schemeClr val="tx1"/>
+    </dgm:txFillClrLst>
+    <dgm:txEffectClrLst/>
+  </dgm:styleLbl>
+  <dgm:styleLbl name="parChTrans1D2">
+    <dgm:fillClrLst meth="repeat">
+      <a:schemeClr val="accent3">
+        <a:tint val="90000"/>
+      </a:schemeClr>
+    </dgm:fillClrLst>
+    <dgm:linClrLst meth="repeat">
+      <a:schemeClr val="accent2"/>
+    </dgm:linClrLst>
+    <dgm:effectClrLst/>
+    <dgm:txLinClrLst/>
+    <dgm:txFillClrLst meth="repeat">
+      <a:schemeClr val="tx1"/>
+    </dgm:txFillClrLst>
+    <dgm:txEffectClrLst/>
+  </dgm:styleLbl>
+  <dgm:styleLbl name="parChTrans1D3">
+    <dgm:fillClrLst meth="repeat">
+      <a:schemeClr val="accent4">
+        <a:tint val="70000"/>
+      </a:schemeClr>
+    </dgm:fillClrLst>
+    <dgm:linClrLst meth="repeat">
+      <a:schemeClr val="accent3"/>
+    </dgm:linClrLst>
+    <dgm:effectClrLst/>
+    <dgm:txLinClrLst/>
+    <dgm:txFillClrLst meth="repeat">
+      <a:schemeClr val="tx1"/>
+    </dgm:txFillClrLst>
+    <dgm:txEffectClrLst/>
+  </dgm:styleLbl>
+  <dgm:styleLbl name="parChTrans1D4">
+    <dgm:fillClrLst meth="repeat">
+      <a:schemeClr val="accent5">
+        <a:tint val="50000"/>
+      </a:schemeClr>
+    </dgm:fillClrLst>
+    <dgm:linClrLst meth="repeat">
+      <a:schemeClr val="accent4"/>
+    </dgm:linClrLst>
+    <dgm:effectClrLst/>
+    <dgm:txLinClrLst/>
+    <dgm:txFillClrLst meth="repeat">
+      <a:schemeClr val="tx1"/>
+    </dgm:txFillClrLst>
+    <dgm:txEffectClrLst/>
+  </dgm:styleLbl>
+  <dgm:styleLbl name="fgAcc1">
+    <dgm:fillClrLst meth="repeat">
+      <a:schemeClr val="lt1">
+        <a:alpha val="90000"/>
+      </a:schemeClr>
+    </dgm:fillClrLst>
+    <dgm:linClrLst meth="repeat">
+      <a:schemeClr val="accent2"/>
+      <a:schemeClr val="accent3"/>
+      <a:schemeClr val="accent4"/>
+      <a:schemeClr val="accent5"/>
+      <a:schemeClr val="accent6"/>
+    </dgm:linClrLst>
+    <dgm:effectClrLst/>
+    <dgm:txLinClrLst/>
+    <dgm:txFillClrLst meth="repeat">
+      <a:schemeClr val="dk1"/>
+    </dgm:txFillClrLst>
+    <dgm:txEffectClrLst/>
+  </dgm:styleLbl>
+  <dgm:styleLbl name="conFgAcc1">
+    <dgm:fillClrLst meth="repeat">
+      <a:schemeClr val="lt1">
+        <a:alpha val="90000"/>
+      </a:schemeClr>
+    </dgm:fillClrLst>
+    <dgm:linClrLst meth="repeat">
+      <a:schemeClr val="accent2"/>
+      <a:schemeClr val="accent3"/>
+      <a:schemeClr val="accent4"/>
+      <a:schemeClr val="accent5"/>
+      <a:schemeClr val="accent6"/>
+    </dgm:linClrLst>
+    <dgm:effectClrLst/>
+    <dgm:txLinClrLst/>
+    <dgm:txFillClrLst meth="repeat">
+      <a:schemeClr val="dk1"/>
+    </dgm:txFillClrLst>
+    <dgm:txEffectClrLst/>
+  </dgm:styleLbl>
+  <dgm:styleLbl name="alignAcc1">
+    <dgm:fillClrLst meth="repeat">
+      <a:schemeClr val="lt1">
+        <a:alpha val="90000"/>
+      </a:schemeClr>
+    </dgm:fillClrLst>
+    <dgm:linClrLst meth="repeat">
+      <a:schemeClr val="accent2"/>
+      <a:schemeClr val="accent3"/>
+      <a:schemeClr val="accent4"/>
+      <a:schemeClr val="accent5"/>
+      <a:schemeClr val="accent6"/>
+    </dgm:linClrLst>
+    <dgm:effectClrLst/>
+    <dgm:txLinClrLst/>
+    <dgm:txFillClrLst meth="repeat">
+      <a:schemeClr val="dk1"/>
+    </dgm:txFillClrLst>
+    <dgm:txEffectClrLst/>
+  </dgm:styleLbl>
+  <dgm:styleLbl name="trAlignAcc1">
+    <dgm:fillClrLst meth="repeat">
+      <a:schemeClr val="lt1">
+        <a:alpha val="40000"/>
+      </a:schemeClr>
+    </dgm:fillClrLst>
+    <dgm:linClrLst meth="repeat">
+      <a:schemeClr val="accent1"/>
+    </dgm:linClrLst>
+    <dgm:effectClrLst/>
+    <dgm:txLinClrLst/>
+    <dgm:txFillClrLst meth="repeat">
+      <a:schemeClr val="dk1"/>
+    </dgm:txFillClrLst>
+    <dgm:txEffectClrLst/>
+  </dgm:styleLbl>
+  <dgm:styleLbl name="bgAcc1">
+    <dgm:fillClrLst meth="repeat">
+      <a:schemeClr val="lt1">
+        <a:alpha val="90000"/>
+      </a:schemeClr>
+    </dgm:fillClrLst>
+    <dgm:linClrLst meth="repeat">
+      <a:schemeClr val="accent2"/>
+      <a:schemeClr val="accent3"/>
+      <a:schemeClr val="accent4"/>
+      <a:schemeClr val="accent5"/>
+      <a:schemeClr val="accent6"/>
+    </dgm:linClrLst>
+    <dgm:effectClrLst/>
+    <dgm:txLinClrLst/>
+    <dgm:txFillClrLst meth="repeat">
+      <a:schemeClr val="dk1"/>
+    </dgm:txFillClrLst>
+    <dgm:txEffectClrLst/>
+  </dgm:styleLbl>
+  <dgm:styleLbl name="solidFgAcc1">
+    <dgm:fillClrLst meth="repeat">
+      <a:schemeClr val="lt1"/>
+    </dgm:fillClrLst>
+    <dgm:linClrLst meth="repeat">
+      <a:schemeClr val="accent2"/>
+      <a:schemeClr val="accent3"/>
+      <a:schemeClr val="accent4"/>
+      <a:schemeClr val="accent5"/>
+      <a:schemeClr val="accent6"/>
+    </dgm:linClrLst>
+    <dgm:effectClrLst/>
+    <dgm:txLinClrLst/>
+    <dgm:txFillClrLst meth="repeat">
+      <a:schemeClr val="dk1"/>
+    </dgm:txFillClrLst>
+    <dgm:txEffectClrLst/>
+  </dgm:styleLbl>
+  <dgm:styleLbl name="solidAlignAcc1">
+    <dgm:fillClrLst meth="repeat">
+      <a:schemeClr val="lt1"/>
+    </dgm:fillClrLst>
+    <dgm:linClrLst meth="repeat">
+      <a:schemeClr val="accent2"/>
+      <a:schemeClr val="accent3"/>
+      <a:schemeClr val="accent4"/>
+      <a:schemeClr val="accent5"/>
+      <a:schemeClr val="accent6"/>
+    </dgm:linClrLst>
+    <dgm:effectClrLst/>
+    <dgm:txLinClrLst/>
+    <dgm:txFillClrLst meth="repeat">
+      <a:schemeClr val="dk1"/>
+    </dgm:txFillClrLst>
+    <dgm:txEffectClrLst/>
+  </dgm:styleLbl>
+  <dgm:styleLbl name="solidBgAcc1">
+    <dgm:fillClrLst meth="repeat">
+      <a:schemeClr val="lt1"/>
+    </dgm:fillClrLst>
+    <dgm:linClrLst meth="repeat">
+      <a:schemeClr val="accent2"/>
+      <a:schemeClr val="accent3"/>
+      <a:schemeClr val="accent4"/>
+      <a:schemeClr val="accent5"/>
+      <a:schemeClr val="accent6"/>
+    </dgm:linClrLst>
+    <dgm:effectClrLst/>
+    <dgm:txLinClrLst/>
+    <dgm:txFillClrLst meth="repeat">
+      <a:schemeClr val="dk1"/>
+    </dgm:txFillClrLst>
+    <dgm:txEffectClrLst/>
+  </dgm:styleLbl>
+  <dgm:styleLbl name="fgAccFollowNode1">
+    <dgm:fillClrLst meth="repeat">
+      <a:schemeClr val="accent2">
+        <a:tint val="40000"/>
+        <a:alpha val="90000"/>
+      </a:schemeClr>
+      <a:schemeClr val="accent3">
+        <a:tint val="40000"/>
+        <a:alpha val="90000"/>
+      </a:schemeClr>
+      <a:schemeClr val="accent4">
+        <a:tint val="40000"/>
+        <a:alpha val="90000"/>
+      </a:schemeClr>
+      <a:schemeClr val="accent5">
+        <a:tint val="40000"/>
+        <a:alpha val="90000"/>
+      </a:schemeClr>
+      <a:schemeClr val="accent6">
+        <a:tint val="40000"/>
+        <a:alpha val="90000"/>
+      </a:schemeClr>
+    </dgm:fillClrLst>
+    <dgm:linClrLst meth="repeat">
+      <a:schemeClr val="accent2">
+        <a:tint val="40000"/>
+        <a:alpha val="90000"/>
+      </a:schemeClr>
+      <a:schemeClr val="accent3">
+        <a:tint val="40000"/>
+        <a:alpha val="90000"/>
+      </a:schemeClr>
+      <a:schemeClr val="accent4">
+        <a:tint val="40000"/>
+        <a:alpha val="90000"/>
+      </a:schemeClr>
+      <a:schemeClr val="accent5">
+        <a:tint val="40000"/>
+        <a:alpha val="90000"/>
+      </a:schemeClr>
+      <a:schemeClr val="accent6">
+        <a:tint val="40000"/>
+        <a:alpha val="90000"/>
+      </a:schemeClr>
+    </dgm:linClrLst>
+    <dgm:effectClrLst/>
+    <dgm:txLinClrLst/>
+    <dgm:txFillClrLst meth="repeat">
+      <a:schemeClr val="dk1"/>
+    </dgm:txFillClrLst>
+    <dgm:txEffectClrLst/>
+  </dgm:styleLbl>
+  <dgm:styleLbl name="alignAccFollowNode1">
+    <dgm:fillClrLst meth="repeat">
+      <a:schemeClr val="accent2">
+        <a:tint val="40000"/>
+        <a:alpha val="90000"/>
+      </a:schemeClr>
+      <a:schemeClr val="accent3">
+        <a:tint val="40000"/>
+        <a:alpha val="90000"/>
+      </a:schemeClr>
+      <a:schemeClr val="accent4">
+        <a:tint val="40000"/>
+        <a:alpha val="90000"/>
+      </a:schemeClr>
+      <a:schemeClr val="accent5">
+        <a:tint val="40000"/>
+        <a:alpha val="90000"/>
+      </a:schemeClr>
+      <a:schemeClr val="accent6">
+        <a:tint val="40000"/>
+        <a:alpha val="90000"/>
+      </a:schemeClr>
+    </dgm:fillClrLst>
+    <dgm:linClrLst meth="repeat">
+      <a:schemeClr val="accent2">
+        <a:tint val="40000"/>
+        <a:alpha val="90000"/>
+      </a:schemeClr>
+      <a:schemeClr val="accent3">
+        <a:tint val="40000"/>
+        <a:alpha val="90000"/>
+      </a:schemeClr>
+      <a:schemeClr val="accent4">
+        <a:tint val="40000"/>
+        <a:alpha val="90000"/>
+      </a:schemeClr>
+      <a:schemeClr val="accent5">
+        <a:tint val="40000"/>
+        <a:alpha val="90000"/>
+      </a:schemeClr>
+      <a:schemeClr val="accent6">
+        <a:tint val="40000"/>
+        <a:alpha val="90000"/>
+      </a:schemeClr>
+    </dgm:linClrLst>
+    <dgm:effectClrLst/>
+    <dgm:txLinClrLst/>
+    <dgm:txFillClrLst meth="repeat">
+      <a:schemeClr val="dk1"/>
+    </dgm:txFillClrLst>
+    <dgm:txEffectClrLst/>
+  </dgm:styleLbl>
+  <dgm:styleLbl name="bgAccFollowNode1">
+    <dgm:fillClrLst meth="repeat">
+      <a:schemeClr val="accent2">
+        <a:tint val="40000"/>
+        <a:alpha val="90000"/>
+      </a:schemeClr>
+      <a:schemeClr val="accent3">
+        <a:tint val="40000"/>
+        <a:alpha val="90000"/>
+      </a:schemeClr>
+      <a:schemeClr val="accent4">
+        <a:tint val="40000"/>
+        <a:alpha val="90000"/>
+      </a:schemeClr>
+      <a:schemeClr val="accent5">
+        <a:tint val="40000"/>
+        <a:alpha val="90000"/>
+      </a:schemeClr>
+      <a:schemeClr val="accent6">
+        <a:tint val="40000"/>
+        <a:alpha val="90000"/>
+      </a:schemeClr>
+    </dgm:fillClrLst>
+    <dgm:linClrLst meth="repeat">
+      <a:schemeClr val="accent2">
+        <a:tint val="40000"/>
+        <a:alpha val="90000"/>
+      </a:schemeClr>
+      <a:schemeClr val="accent3">
+        <a:tint val="40000"/>
+        <a:alpha val="90000"/>
+      </a:schemeClr>
+      <a:schemeClr val="accent4">
+        <a:tint val="40000"/>
+        <a:alpha val="90000"/>
+      </a:schemeClr>
+      <a:schemeClr val="accent5">
+        <a:tint val="40000"/>
+        <a:alpha val="90000"/>
+      </a:schemeClr>
+      <a:schemeClr val="accent6">
+        <a:tint val="40000"/>
+        <a:alpha val="90000"/>
+      </a:schemeClr>
+    </dgm:linClrLst>
+    <dgm:effectClrLst/>
+    <dgm:txLinClrLst/>
+    <dgm:txFillClrLst meth="repeat">
+      <a:schemeClr val="dk1"/>
+    </dgm:txFillClrLst>
+    <dgm:txEffectClrLst/>
+  </dgm:styleLbl>
+  <dgm:styleLbl name="fgAcc0">
+    <dgm:fillClrLst meth="repeat">
+      <a:schemeClr val="lt1">
+        <a:alpha val="90000"/>
+      </a:schemeClr>
+    </dgm:fillClrLst>
+    <dgm:linClrLst>
+      <a:schemeClr val="accent1"/>
+    </dgm:linClrLst>
+    <dgm:effectClrLst/>
+    <dgm:txLinClrLst/>
+    <dgm:txFillClrLst meth="repeat">
+      <a:schemeClr val="dk1"/>
+    </dgm:txFillClrLst>
+    <dgm:txEffectClrLst/>
+  </dgm:styleLbl>
+  <dgm:styleLbl name="fgAcc2">
+    <dgm:fillClrLst meth="repeat">
+      <a:schemeClr val="lt1">
+        <a:alpha val="90000"/>
+      </a:schemeClr>
+    </dgm:fillClrLst>
+    <dgm:linClrLst>
+      <a:schemeClr val="accent2"/>
+    </dgm:linClrLst>
+    <dgm:effectClrLst/>
+    <dgm:txLinClrLst/>
+    <dgm:txFillClrLst meth="repeat">
+      <a:schemeClr val="dk1"/>
+    </dgm:txFillClrLst>
+    <dgm:txEffectClrLst/>
+  </dgm:styleLbl>
+  <dgm:styleLbl name="fgAcc3">
+    <dgm:fillClrLst meth="repeat">
+      <a:schemeClr val="lt1">
+        <a:alpha val="90000"/>
+      </a:schemeClr>
+    </dgm:fillClrLst>
+    <dgm:linClrLst>
+      <a:schemeClr val="accent3"/>
+    </dgm:linClrLst>
+    <dgm:effectClrLst/>
+    <dgm:txLinClrLst/>
+    <dgm:txFillClrLst meth="repeat">
+      <a:schemeClr val="dk1"/>
+    </dgm:txFillClrLst>
+    <dgm:txEffectClrLst/>
+  </dgm:styleLbl>
+  <dgm:styleLbl name="fgAcc4">
+    <dgm:fillClrLst meth="repeat">
+      <a:schemeClr val="lt1">
+        <a:alpha val="90000"/>
+      </a:schemeClr>
+    </dgm:fillClrLst>
+    <dgm:linClrLst>
+      <a:schemeClr val="accent4"/>
+    </dgm:linClrLst>
+    <dgm:effectClrLst/>
+    <dgm:txLinClrLst/>
+    <dgm:txFillClrLst meth="repeat">
+      <a:schemeClr val="dk1"/>
+    </dgm:txFillClrLst>
+    <dgm:txEffectClrLst/>
+  </dgm:styleLbl>
+  <dgm:styleLbl name="bgShp">
+    <dgm:fillClrLst meth="repeat">
+      <a:schemeClr val="accent2"/>
+      <a:schemeClr val="accent3"/>
+      <a:schemeClr val="accent4"/>
+      <a:schemeClr val="accent5"/>
+      <a:schemeClr val="accent6"/>
+    </dgm:fillClrLst>
+    <dgm:linClrLst meth="repeat">
+      <a:schemeClr val="lt1">
+        <a:alpha val="0"/>
+      </a:schemeClr>
+    </dgm:linClrLst>
+    <dgm:effectClrLst/>
+    <dgm:txLinClrLst/>
+    <dgm:txFillClrLst/>
+    <dgm:txEffectClrLst/>
+  </dgm:styleLbl>
+  <dgm:styleLbl name="dkBgShp">
+    <dgm:fillClrLst meth="repeat">
+      <a:schemeClr val="accent2">
+        <a:shade val="90000"/>
+      </a:schemeClr>
+    </dgm:fillClrLst>
+    <dgm:linClrLst meth="repeat">
+      <a:schemeClr val="dk1"/>
+    </dgm:linClrLst>
+    <dgm:effectClrLst/>
+    <dgm:txLinClrLst/>
+    <dgm:txFillClrLst meth="repeat">
+      <a:schemeClr val="lt1"/>
+    </dgm:txFillClrLst>
+    <dgm:txEffectClrLst/>
+  </dgm:styleLbl>
+  <dgm:styleLbl name="trBgShp">
+    <dgm:fillClrLst meth="repeat">
+      <a:schemeClr val="accent1">
+        <a:tint val="50000"/>
+        <a:alpha val="40000"/>
+      </a:schemeClr>
+    </dgm:fillClrLst>
+    <dgm:linClrLst meth="repeat">
+      <a:schemeClr val="accent2"/>
+    </dgm:linClrLst>
+    <dgm:effectClrLst/>
+    <dgm:txLinClrLst/>
+    <dgm:txFillClrLst meth="repeat">
+      <a:schemeClr val="lt1"/>
+    </dgm:txFillClrLst>
+    <dgm:txEffectClrLst/>
+  </dgm:styleLbl>
+  <dgm:styleLbl name="fgShp">
+    <dgm:fillClrLst meth="repeat">
+      <a:schemeClr val="accent2">
+        <a:tint val="40000"/>
+      </a:schemeClr>
+    </dgm:fillClrLst>
+    <dgm:linClrLst meth="repeat">
+      <a:schemeClr val="lt1"/>
+    </dgm:linClrLst>
+    <dgm:effectClrLst/>
+    <dgm:txLinClrLst/>
+    <dgm:txFillClrLst meth="repeat">
+      <a:schemeClr val="dk1"/>
+    </dgm:txFillClrLst>
+    <dgm:txEffectClrLst/>
+  </dgm:styleLbl>
+  <dgm:styleLbl name="revTx">
+    <dgm:fillClrLst meth="repeat">
+      <a:schemeClr val="lt1">
+        <a:alpha val="0"/>
+      </a:schemeClr>
+    </dgm:fillClrLst>
+    <dgm:linClrLst meth="repeat">
+      <a:schemeClr val="dk1">
+        <a:alpha val="0"/>
+      </a:schemeClr>
+    </dgm:linClrLst>
+    <dgm:effectClrLst/>
+    <dgm:txLinClrLst/>
+    <dgm:txFillClrLst meth="repeat">
+      <a:schemeClr val="tx1"/>
+    </dgm:txFillClrLst>
+    <dgm:txEffectClrLst/>
+  </dgm:styleLbl>
+</dgm:colorsDef>
+</file>
+
+<file path=ppt/diagrams/colors4.xml><?xml version="1.0" encoding="utf-8"?>
 <dgm:colorsDef xmlns:dgm="http://schemas.openxmlformats.org/drawingml/2006/diagram" xmlns:a="http://schemas.openxmlformats.org/drawingml/2006/main" uniqueId="urn:microsoft.com/office/officeart/2018/5/colors/Iconchunking_neutralicon_colorful1">
   <dgm:title val=""/>
   <dgm:desc val=""/>
@@ -3545,6 +4468,443 @@
     <dgm:cxn modelId="{82586722-8F2B-470E-8CE3-5BE3AB785FA3}" type="presParOf" srcId="{EBD6F431-4CF5-404F-AAFC-350B978BF4E0}" destId="{97B6B755-CA56-4960-91EB-87A0CA7E3911}" srcOrd="1" destOrd="0" presId="urn:microsoft.com/office/officeart/2018/2/layout/IconCircleList"/>
     <dgm:cxn modelId="{C1A74B41-BC2A-4B3A-A403-C447B3FA50AC}" type="presParOf" srcId="{EBD6F431-4CF5-404F-AAFC-350B978BF4E0}" destId="{0E0CE8DC-35C8-4463-ACEE-E279A78DE2E1}" srcOrd="2" destOrd="0" presId="urn:microsoft.com/office/officeart/2018/2/layout/IconCircleList"/>
     <dgm:cxn modelId="{32CE94AD-C9A0-49BD-A393-2604094A0E24}" type="presParOf" srcId="{EBD6F431-4CF5-404F-AAFC-350B978BF4E0}" destId="{06025760-6215-433F-ACB2-C97F1FC85883}" srcOrd="3" destOrd="0" presId="urn:microsoft.com/office/officeart/2018/2/layout/IconCircleList"/>
+  </dgm:cxnLst>
+  <dgm:bg/>
+  <dgm:whole/>
+  <dgm:extLst>
+    <a:ext uri="http://schemas.microsoft.com/office/drawing/2008/diagram">
+      <dsp:dataModelExt xmlns:dsp="http://schemas.microsoft.com/office/drawing/2008/diagram" relId="rId7" minVer="http://schemas.openxmlformats.org/drawingml/2006/diagram"/>
+    </a:ext>
+  </dgm:extLst>
+</dgm:dataModel>
+</file>
+
+<file path=ppt/diagrams/data4.xml><?xml version="1.0" encoding="utf-8"?>
+<dgm:dataModel xmlns:dgm="http://schemas.openxmlformats.org/drawingml/2006/diagram" xmlns:a="http://schemas.openxmlformats.org/drawingml/2006/main">
+  <dgm:ptLst>
+    <dgm:pt modelId="{A3BD00FD-9657-40C0-946E-18D9702F3EB5}" type="doc">
+      <dgm:prSet loTypeId="urn:microsoft.com/office/officeart/2018/2/layout/IconCircleList" loCatId="icon" qsTypeId="urn:microsoft.com/office/officeart/2005/8/quickstyle/simple1" qsCatId="simple" csTypeId="urn:microsoft.com/office/officeart/2018/5/colors/Iconchunking_neutralicon_colorful1" csCatId="colorful" phldr="1"/>
+      <dgm:spPr/>
+      <dgm:t>
+        <a:bodyPr/>
+        <a:lstStyle/>
+        <a:p>
+          <a:endParaRPr lang="en-US"/>
+        </a:p>
+      </dgm:t>
+    </dgm:pt>
+    <dgm:pt modelId="{86B4CC64-4794-4EDA-8007-0E1CF88E69B6}">
+      <dgm:prSet/>
+      <dgm:spPr/>
+      <dgm:t>
+        <a:bodyPr/>
+        <a:lstStyle/>
+        <a:p>
+          <a:r>
+            <a:rPr lang="en-GB"/>
+            <a:t>Signature - looks at repetitive patterns produced that are unique to different steganography software </a:t>
+          </a:r>
+          <a:endParaRPr lang="en-US"/>
+        </a:p>
+      </dgm:t>
+    </dgm:pt>
+    <dgm:pt modelId="{5C50AC57-3D8F-429A-8862-25F7D96D3C92}" type="parTrans" cxnId="{B7C0E9E6-7CF6-4868-8B45-D4C992766B9D}">
+      <dgm:prSet/>
+      <dgm:spPr/>
+      <dgm:t>
+        <a:bodyPr/>
+        <a:lstStyle/>
+        <a:p>
+          <a:endParaRPr lang="en-US"/>
+        </a:p>
+      </dgm:t>
+    </dgm:pt>
+    <dgm:pt modelId="{EECF6E8A-B7BA-458E-976F-3745BA5608AC}" type="sibTrans" cxnId="{B7C0E9E6-7CF6-4868-8B45-D4C992766B9D}">
+      <dgm:prSet/>
+      <dgm:spPr/>
+      <dgm:t>
+        <a:bodyPr/>
+        <a:lstStyle/>
+        <a:p>
+          <a:endParaRPr lang="en-US"/>
+        </a:p>
+      </dgm:t>
+    </dgm:pt>
+    <dgm:pt modelId="{F4C89AAA-555B-46F2-8106-9E6AF978BC22}">
+      <dgm:prSet/>
+      <dgm:spPr/>
+      <dgm:t>
+        <a:bodyPr/>
+        <a:lstStyle/>
+        <a:p>
+          <a:r>
+            <a:rPr lang="en-GB"/>
+            <a:t>Statistical - this looks at the fundamental statistics of an image that would have been altered if any information were to be hidden within</a:t>
+          </a:r>
+          <a:endParaRPr lang="en-US"/>
+        </a:p>
+      </dgm:t>
+    </dgm:pt>
+    <dgm:pt modelId="{C53CA80E-62BB-43B9-8C29-0B687E65526A}" type="parTrans" cxnId="{5A712471-3E04-4CC9-9713-C1B2C8394CED}">
+      <dgm:prSet/>
+      <dgm:spPr/>
+      <dgm:t>
+        <a:bodyPr/>
+        <a:lstStyle/>
+        <a:p>
+          <a:endParaRPr lang="en-US"/>
+        </a:p>
+      </dgm:t>
+    </dgm:pt>
+    <dgm:pt modelId="{FD2AA90C-32AB-4061-ADF6-493A4A021F6F}" type="sibTrans" cxnId="{5A712471-3E04-4CC9-9713-C1B2C8394CED}">
+      <dgm:prSet/>
+      <dgm:spPr/>
+      <dgm:t>
+        <a:bodyPr/>
+        <a:lstStyle/>
+        <a:p>
+          <a:endParaRPr lang="en-US"/>
+        </a:p>
+      </dgm:t>
+    </dgm:pt>
+    <dgm:pt modelId="{E7E6187E-DB3F-4C39-949E-865A8A343852}">
+      <dgm:prSet/>
+      <dgm:spPr/>
+      <dgm:t>
+        <a:bodyPr/>
+        <a:lstStyle/>
+        <a:p>
+          <a:r>
+            <a:rPr lang="en-GB"/>
+            <a:t>Specific steganalysis - targets a specific steganography algorithm</a:t>
+          </a:r>
+          <a:endParaRPr lang="en-US"/>
+        </a:p>
+      </dgm:t>
+    </dgm:pt>
+    <dgm:pt modelId="{52243D4A-5D9C-424C-9050-526AA01F9B83}" type="parTrans" cxnId="{8EA8D506-AE15-416B-BEBA-1DE426DF52DB}">
+      <dgm:prSet/>
+      <dgm:spPr/>
+      <dgm:t>
+        <a:bodyPr/>
+        <a:lstStyle/>
+        <a:p>
+          <a:endParaRPr lang="en-US"/>
+        </a:p>
+      </dgm:t>
+    </dgm:pt>
+    <dgm:pt modelId="{16005E2B-39D0-4746-B7D9-12C3D156B1E2}" type="sibTrans" cxnId="{8EA8D506-AE15-416B-BEBA-1DE426DF52DB}">
+      <dgm:prSet/>
+      <dgm:spPr/>
+      <dgm:t>
+        <a:bodyPr/>
+        <a:lstStyle/>
+        <a:p>
+          <a:endParaRPr lang="en-US"/>
+        </a:p>
+      </dgm:t>
+    </dgm:pt>
+    <dgm:pt modelId="{778A2D00-F4C5-48B7-B77C-52A82D938F8C}">
+      <dgm:prSet/>
+      <dgm:spPr/>
+      <dgm:t>
+        <a:bodyPr/>
+        <a:lstStyle/>
+        <a:p>
+          <a:r>
+            <a:rPr lang="en-GB"/>
+            <a:t>Universal statistical analysis - use machine learning to form a detection system We recommend installing steganalysis software such as Real-Time Steganalysis</a:t>
+          </a:r>
+          <a:endParaRPr lang="en-US"/>
+        </a:p>
+      </dgm:t>
+    </dgm:pt>
+    <dgm:pt modelId="{C5C98731-B8FB-4874-9893-F998FEDC3B31}" type="parTrans" cxnId="{576CB845-94D9-4120-AD65-8CE9551FE8DE}">
+      <dgm:prSet/>
+      <dgm:spPr/>
+      <dgm:t>
+        <a:bodyPr/>
+        <a:lstStyle/>
+        <a:p>
+          <a:endParaRPr lang="en-US"/>
+        </a:p>
+      </dgm:t>
+    </dgm:pt>
+    <dgm:pt modelId="{14530A0B-1DC3-4449-A297-55AF110919C5}" type="sibTrans" cxnId="{576CB845-94D9-4120-AD65-8CE9551FE8DE}">
+      <dgm:prSet/>
+      <dgm:spPr/>
+      <dgm:t>
+        <a:bodyPr/>
+        <a:lstStyle/>
+        <a:p>
+          <a:endParaRPr lang="en-US"/>
+        </a:p>
+      </dgm:t>
+    </dgm:pt>
+    <dgm:pt modelId="{07CE23AD-11DB-45B4-9AF7-1AE2B3555D20}" type="pres">
+      <dgm:prSet presAssocID="{A3BD00FD-9657-40C0-946E-18D9702F3EB5}" presName="root" presStyleCnt="0">
+        <dgm:presLayoutVars>
+          <dgm:dir/>
+          <dgm:resizeHandles val="exact"/>
+        </dgm:presLayoutVars>
+      </dgm:prSet>
+      <dgm:spPr/>
+    </dgm:pt>
+    <dgm:pt modelId="{D5578B6A-FD9E-430C-BCC8-BB305D465CEA}" type="pres">
+      <dgm:prSet presAssocID="{A3BD00FD-9657-40C0-946E-18D9702F3EB5}" presName="container" presStyleCnt="0">
+        <dgm:presLayoutVars>
+          <dgm:dir/>
+          <dgm:resizeHandles val="exact"/>
+        </dgm:presLayoutVars>
+      </dgm:prSet>
+      <dgm:spPr/>
+    </dgm:pt>
+    <dgm:pt modelId="{11A6373A-E80E-447B-BCCC-867DC1B0FEED}" type="pres">
+      <dgm:prSet presAssocID="{86B4CC64-4794-4EDA-8007-0E1CF88E69B6}" presName="compNode" presStyleCnt="0"/>
+      <dgm:spPr/>
+    </dgm:pt>
+    <dgm:pt modelId="{1B74F165-2BE7-427A-8B16-5D8958BE3F93}" type="pres">
+      <dgm:prSet presAssocID="{86B4CC64-4794-4EDA-8007-0E1CF88E69B6}" presName="iconBgRect" presStyleLbl="bgShp" presStyleIdx="0" presStyleCnt="4"/>
+      <dgm:spPr/>
+    </dgm:pt>
+    <dgm:pt modelId="{BD01BDC6-9848-43D9-AC80-7A9178DD3D6A}" type="pres">
+      <dgm:prSet presAssocID="{86B4CC64-4794-4EDA-8007-0E1CF88E69B6}" presName="iconRect" presStyleLbl="node1" presStyleIdx="0" presStyleCnt="4"/>
+      <dgm:spPr>
+        <a:blipFill>
+          <a:blip xmlns:r="http://schemas.openxmlformats.org/officeDocument/2006/relationships" r:embed="rId1">
+            <a:extLst>
+              <a:ext uri="{28A0092B-C50C-407E-A947-70E740481C1C}">
+                <a14:useLocalDpi xmlns:a14="http://schemas.microsoft.com/office/drawing/2010/main" val="0"/>
+              </a:ext>
+              <a:ext uri="{96DAC541-7B7A-43D3-8B79-37D633B846F1}">
+                <asvg:svgBlip xmlns:asvg="http://schemas.microsoft.com/office/drawing/2016/SVG/main" r:embed="rId2"/>
+              </a:ext>
+            </a:extLst>
+          </a:blip>
+          <a:stretch>
+            <a:fillRect/>
+          </a:stretch>
+        </a:blipFill>
+        <a:ln>
+          <a:noFill/>
+        </a:ln>
+      </dgm:spPr>
+      <dgm:extLst>
+        <a:ext uri="{E40237B7-FDA0-4F09-8148-C483321AD2D9}">
+          <dgm14:cNvPr xmlns:dgm14="http://schemas.microsoft.com/office/drawing/2010/diagram" id="0" name="" descr="Processor"/>
+        </a:ext>
+      </dgm:extLst>
+    </dgm:pt>
+    <dgm:pt modelId="{080CA376-480C-444E-9B47-37FD28A5C93B}" type="pres">
+      <dgm:prSet presAssocID="{86B4CC64-4794-4EDA-8007-0E1CF88E69B6}" presName="spaceRect" presStyleCnt="0"/>
+      <dgm:spPr/>
+    </dgm:pt>
+    <dgm:pt modelId="{9DFD1340-8E86-489A-B71A-F1E9F58E8FBA}" type="pres">
+      <dgm:prSet presAssocID="{86B4CC64-4794-4EDA-8007-0E1CF88E69B6}" presName="textRect" presStyleLbl="revTx" presStyleIdx="0" presStyleCnt="4">
+        <dgm:presLayoutVars>
+          <dgm:chMax val="1"/>
+          <dgm:chPref val="1"/>
+        </dgm:presLayoutVars>
+      </dgm:prSet>
+      <dgm:spPr/>
+    </dgm:pt>
+    <dgm:pt modelId="{F487E690-5952-4EAF-B9FE-63855C482692}" type="pres">
+      <dgm:prSet presAssocID="{EECF6E8A-B7BA-458E-976F-3745BA5608AC}" presName="sibTrans" presStyleLbl="sibTrans2D1" presStyleIdx="0" presStyleCnt="0"/>
+      <dgm:spPr/>
+    </dgm:pt>
+    <dgm:pt modelId="{6E81F88A-B4B2-4049-AB0E-6BB89446E7E5}" type="pres">
+      <dgm:prSet presAssocID="{F4C89AAA-555B-46F2-8106-9E6AF978BC22}" presName="compNode" presStyleCnt="0"/>
+      <dgm:spPr/>
+    </dgm:pt>
+    <dgm:pt modelId="{8166013F-D58E-4426-ABE9-BAA33B5F9816}" type="pres">
+      <dgm:prSet presAssocID="{F4C89AAA-555B-46F2-8106-9E6AF978BC22}" presName="iconBgRect" presStyleLbl="bgShp" presStyleIdx="1" presStyleCnt="4"/>
+      <dgm:spPr/>
+    </dgm:pt>
+    <dgm:pt modelId="{F8B52B19-F6D6-4AC6-BC6F-E4617DDCBD4B}" type="pres">
+      <dgm:prSet presAssocID="{F4C89AAA-555B-46F2-8106-9E6AF978BC22}" presName="iconRect" presStyleLbl="node1" presStyleIdx="1" presStyleCnt="4"/>
+      <dgm:spPr>
+        <a:blipFill>
+          <a:blip xmlns:r="http://schemas.openxmlformats.org/officeDocument/2006/relationships" r:embed="rId3">
+            <a:extLst>
+              <a:ext uri="{28A0092B-C50C-407E-A947-70E740481C1C}">
+                <a14:useLocalDpi xmlns:a14="http://schemas.microsoft.com/office/drawing/2010/main" val="0"/>
+              </a:ext>
+              <a:ext uri="{96DAC541-7B7A-43D3-8B79-37D633B846F1}">
+                <asvg:svgBlip xmlns:asvg="http://schemas.microsoft.com/office/drawing/2016/SVG/main" r:embed="rId4"/>
+              </a:ext>
+            </a:extLst>
+          </a:blip>
+          <a:stretch>
+            <a:fillRect/>
+          </a:stretch>
+        </a:blipFill>
+        <a:ln>
+          <a:noFill/>
+        </a:ln>
+      </dgm:spPr>
+      <dgm:extLst>
+        <a:ext uri="{E40237B7-FDA0-4F09-8148-C483321AD2D9}">
+          <dgm14:cNvPr xmlns:dgm14="http://schemas.microsoft.com/office/drawing/2010/diagram" id="0" name="" descr="Quotes"/>
+        </a:ext>
+      </dgm:extLst>
+    </dgm:pt>
+    <dgm:pt modelId="{A533B5A5-CB00-4BAC-8EEB-DD2913B9AD78}" type="pres">
+      <dgm:prSet presAssocID="{F4C89AAA-555B-46F2-8106-9E6AF978BC22}" presName="spaceRect" presStyleCnt="0"/>
+      <dgm:spPr/>
+    </dgm:pt>
+    <dgm:pt modelId="{6779A600-EDA6-445F-AAFA-7B8FBB5C0BB4}" type="pres">
+      <dgm:prSet presAssocID="{F4C89AAA-555B-46F2-8106-9E6AF978BC22}" presName="textRect" presStyleLbl="revTx" presStyleIdx="1" presStyleCnt="4">
+        <dgm:presLayoutVars>
+          <dgm:chMax val="1"/>
+          <dgm:chPref val="1"/>
+        </dgm:presLayoutVars>
+      </dgm:prSet>
+      <dgm:spPr/>
+    </dgm:pt>
+    <dgm:pt modelId="{E5E528ED-8439-49AB-88C6-610CC21A526A}" type="pres">
+      <dgm:prSet presAssocID="{FD2AA90C-32AB-4061-ADF6-493A4A021F6F}" presName="sibTrans" presStyleLbl="sibTrans2D1" presStyleIdx="0" presStyleCnt="0"/>
+      <dgm:spPr/>
+    </dgm:pt>
+    <dgm:pt modelId="{1D6B6716-72AB-4736-A832-91DED30CEC46}" type="pres">
+      <dgm:prSet presAssocID="{E7E6187E-DB3F-4C39-949E-865A8A343852}" presName="compNode" presStyleCnt="0"/>
+      <dgm:spPr/>
+    </dgm:pt>
+    <dgm:pt modelId="{ED0D71E5-F1A1-4CF0-854A-E8E5C24CD74E}" type="pres">
+      <dgm:prSet presAssocID="{E7E6187E-DB3F-4C39-949E-865A8A343852}" presName="iconBgRect" presStyleLbl="bgShp" presStyleIdx="2" presStyleCnt="4"/>
+      <dgm:spPr/>
+    </dgm:pt>
+    <dgm:pt modelId="{B85ECF6F-F12E-4136-B663-2DDBC7ACA90F}" type="pres">
+      <dgm:prSet presAssocID="{E7E6187E-DB3F-4C39-949E-865A8A343852}" presName="iconRect" presStyleLbl="node1" presStyleIdx="2" presStyleCnt="4"/>
+      <dgm:spPr>
+        <a:blipFill>
+          <a:blip xmlns:r="http://schemas.openxmlformats.org/officeDocument/2006/relationships" r:embed="rId5">
+            <a:extLst>
+              <a:ext uri="{28A0092B-C50C-407E-A947-70E740481C1C}">
+                <a14:useLocalDpi xmlns:a14="http://schemas.microsoft.com/office/drawing/2010/main" val="0"/>
+              </a:ext>
+              <a:ext uri="{96DAC541-7B7A-43D3-8B79-37D633B846F1}">
+                <asvg:svgBlip xmlns:asvg="http://schemas.microsoft.com/office/drawing/2016/SVG/main" r:embed="rId6"/>
+              </a:ext>
+            </a:extLst>
+          </a:blip>
+          <a:stretch>
+            <a:fillRect/>
+          </a:stretch>
+        </a:blipFill>
+        <a:ln>
+          <a:noFill/>
+        </a:ln>
+      </dgm:spPr>
+      <dgm:extLst>
+        <a:ext uri="{E40237B7-FDA0-4F09-8148-C483321AD2D9}">
+          <dgm14:cNvPr xmlns:dgm14="http://schemas.microsoft.com/office/drawing/2010/diagram" id="0" name="" descr="Bullseye"/>
+        </a:ext>
+      </dgm:extLst>
+    </dgm:pt>
+    <dgm:pt modelId="{05CF4496-DBED-455B-86C0-4E245E8FA6E3}" type="pres">
+      <dgm:prSet presAssocID="{E7E6187E-DB3F-4C39-949E-865A8A343852}" presName="spaceRect" presStyleCnt="0"/>
+      <dgm:spPr/>
+    </dgm:pt>
+    <dgm:pt modelId="{8576C18E-3BE9-4CB6-9EA5-F2E9CF2E5E20}" type="pres">
+      <dgm:prSet presAssocID="{E7E6187E-DB3F-4C39-949E-865A8A343852}" presName="textRect" presStyleLbl="revTx" presStyleIdx="2" presStyleCnt="4">
+        <dgm:presLayoutVars>
+          <dgm:chMax val="1"/>
+          <dgm:chPref val="1"/>
+        </dgm:presLayoutVars>
+      </dgm:prSet>
+      <dgm:spPr/>
+    </dgm:pt>
+    <dgm:pt modelId="{7A951E6B-E2C4-430D-B6A8-21C26CC8097F}" type="pres">
+      <dgm:prSet presAssocID="{16005E2B-39D0-4746-B7D9-12C3D156B1E2}" presName="sibTrans" presStyleLbl="sibTrans2D1" presStyleIdx="0" presStyleCnt="0"/>
+      <dgm:spPr/>
+    </dgm:pt>
+    <dgm:pt modelId="{4C38AB8D-C3EF-4758-B1D4-44A0E9C2CB5C}" type="pres">
+      <dgm:prSet presAssocID="{778A2D00-F4C5-48B7-B77C-52A82D938F8C}" presName="compNode" presStyleCnt="0"/>
+      <dgm:spPr/>
+    </dgm:pt>
+    <dgm:pt modelId="{AF133663-7DCF-4004-8557-ED0C8B25F8C1}" type="pres">
+      <dgm:prSet presAssocID="{778A2D00-F4C5-48B7-B77C-52A82D938F8C}" presName="iconBgRect" presStyleLbl="bgShp" presStyleIdx="3" presStyleCnt="4"/>
+      <dgm:spPr/>
+    </dgm:pt>
+    <dgm:pt modelId="{989CF73A-0C3D-43F1-96DA-F124D02775CD}" type="pres">
+      <dgm:prSet presAssocID="{778A2D00-F4C5-48B7-B77C-52A82D938F8C}" presName="iconRect" presStyleLbl="node1" presStyleIdx="3" presStyleCnt="4"/>
+      <dgm:spPr>
+        <a:blipFill>
+          <a:blip xmlns:r="http://schemas.openxmlformats.org/officeDocument/2006/relationships" r:embed="rId7">
+            <a:extLst>
+              <a:ext uri="{28A0092B-C50C-407E-A947-70E740481C1C}">
+                <a14:useLocalDpi xmlns:a14="http://schemas.microsoft.com/office/drawing/2010/main" val="0"/>
+              </a:ext>
+              <a:ext uri="{96DAC541-7B7A-43D3-8B79-37D633B846F1}">
+                <asvg:svgBlip xmlns:asvg="http://schemas.microsoft.com/office/drawing/2016/SVG/main" r:embed="rId8"/>
+              </a:ext>
+            </a:extLst>
+          </a:blip>
+          <a:stretch>
+            <a:fillRect/>
+          </a:stretch>
+        </a:blipFill>
+        <a:ln>
+          <a:noFill/>
+        </a:ln>
+      </dgm:spPr>
+      <dgm:extLst>
+        <a:ext uri="{E40237B7-FDA0-4F09-8148-C483321AD2D9}">
+          <dgm14:cNvPr xmlns:dgm14="http://schemas.microsoft.com/office/drawing/2010/diagram" id="0" name="" descr="Computer"/>
+        </a:ext>
+      </dgm:extLst>
+    </dgm:pt>
+    <dgm:pt modelId="{0E534304-BBDC-432E-84D3-F45C1CC6D807}" type="pres">
+      <dgm:prSet presAssocID="{778A2D00-F4C5-48B7-B77C-52A82D938F8C}" presName="spaceRect" presStyleCnt="0"/>
+      <dgm:spPr/>
+    </dgm:pt>
+    <dgm:pt modelId="{7C51D418-7994-4DF1-A4ED-323EBF782CBA}" type="pres">
+      <dgm:prSet presAssocID="{778A2D00-F4C5-48B7-B77C-52A82D938F8C}" presName="textRect" presStyleLbl="revTx" presStyleIdx="3" presStyleCnt="4">
+        <dgm:presLayoutVars>
+          <dgm:chMax val="1"/>
+          <dgm:chPref val="1"/>
+        </dgm:presLayoutVars>
+      </dgm:prSet>
+      <dgm:spPr/>
+    </dgm:pt>
+  </dgm:ptLst>
+  <dgm:cxnLst>
+    <dgm:cxn modelId="{88437804-ED23-41AB-AC03-A81DC2F2B073}" type="presOf" srcId="{F4C89AAA-555B-46F2-8106-9E6AF978BC22}" destId="{6779A600-EDA6-445F-AAFA-7B8FBB5C0BB4}" srcOrd="0" destOrd="0" presId="urn:microsoft.com/office/officeart/2018/2/layout/IconCircleList"/>
+    <dgm:cxn modelId="{8EA8D506-AE15-416B-BEBA-1DE426DF52DB}" srcId="{A3BD00FD-9657-40C0-946E-18D9702F3EB5}" destId="{E7E6187E-DB3F-4C39-949E-865A8A343852}" srcOrd="2" destOrd="0" parTransId="{52243D4A-5D9C-424C-9050-526AA01F9B83}" sibTransId="{16005E2B-39D0-4746-B7D9-12C3D156B1E2}"/>
+    <dgm:cxn modelId="{A8723924-5A75-48F6-9141-D74DA6B41F04}" type="presOf" srcId="{A3BD00FD-9657-40C0-946E-18D9702F3EB5}" destId="{07CE23AD-11DB-45B4-9AF7-1AE2B3555D20}" srcOrd="0" destOrd="0" presId="urn:microsoft.com/office/officeart/2018/2/layout/IconCircleList"/>
+    <dgm:cxn modelId="{70E58F33-056D-4196-A3BD-03880B6A261A}" type="presOf" srcId="{EECF6E8A-B7BA-458E-976F-3745BA5608AC}" destId="{F487E690-5952-4EAF-B9FE-63855C482692}" srcOrd="0" destOrd="0" presId="urn:microsoft.com/office/officeart/2018/2/layout/IconCircleList"/>
+    <dgm:cxn modelId="{03637B41-6A31-402D-9EA7-6A36F9FBC091}" type="presOf" srcId="{E7E6187E-DB3F-4C39-949E-865A8A343852}" destId="{8576C18E-3BE9-4CB6-9EA5-F2E9CF2E5E20}" srcOrd="0" destOrd="0" presId="urn:microsoft.com/office/officeart/2018/2/layout/IconCircleList"/>
+    <dgm:cxn modelId="{576CB845-94D9-4120-AD65-8CE9551FE8DE}" srcId="{A3BD00FD-9657-40C0-946E-18D9702F3EB5}" destId="{778A2D00-F4C5-48B7-B77C-52A82D938F8C}" srcOrd="3" destOrd="0" parTransId="{C5C98731-B8FB-4874-9893-F998FEDC3B31}" sibTransId="{14530A0B-1DC3-4449-A297-55AF110919C5}"/>
+    <dgm:cxn modelId="{5A712471-3E04-4CC9-9713-C1B2C8394CED}" srcId="{A3BD00FD-9657-40C0-946E-18D9702F3EB5}" destId="{F4C89AAA-555B-46F2-8106-9E6AF978BC22}" srcOrd="1" destOrd="0" parTransId="{C53CA80E-62BB-43B9-8C29-0B687E65526A}" sibTransId="{FD2AA90C-32AB-4061-ADF6-493A4A021F6F}"/>
+    <dgm:cxn modelId="{C7F9D283-634C-467D-9E4D-8CCCC5E5E192}" type="presOf" srcId="{778A2D00-F4C5-48B7-B77C-52A82D938F8C}" destId="{7C51D418-7994-4DF1-A4ED-323EBF782CBA}" srcOrd="0" destOrd="0" presId="urn:microsoft.com/office/officeart/2018/2/layout/IconCircleList"/>
+    <dgm:cxn modelId="{4A8A40D9-DF65-4611-BF9A-E3C5A7E930EC}" type="presOf" srcId="{86B4CC64-4794-4EDA-8007-0E1CF88E69B6}" destId="{9DFD1340-8E86-489A-B71A-F1E9F58E8FBA}" srcOrd="0" destOrd="0" presId="urn:microsoft.com/office/officeart/2018/2/layout/IconCircleList"/>
+    <dgm:cxn modelId="{B7C0E9E6-7CF6-4868-8B45-D4C992766B9D}" srcId="{A3BD00FD-9657-40C0-946E-18D9702F3EB5}" destId="{86B4CC64-4794-4EDA-8007-0E1CF88E69B6}" srcOrd="0" destOrd="0" parTransId="{5C50AC57-3D8F-429A-8862-25F7D96D3C92}" sibTransId="{EECF6E8A-B7BA-458E-976F-3745BA5608AC}"/>
+    <dgm:cxn modelId="{2BC1A7ED-0587-4B75-B91C-B1539648D981}" type="presOf" srcId="{16005E2B-39D0-4746-B7D9-12C3D156B1E2}" destId="{7A951E6B-E2C4-430D-B6A8-21C26CC8097F}" srcOrd="0" destOrd="0" presId="urn:microsoft.com/office/officeart/2018/2/layout/IconCircleList"/>
+    <dgm:cxn modelId="{EF9389F3-8EE7-4EE9-BE33-E2C60387AF0A}" type="presOf" srcId="{FD2AA90C-32AB-4061-ADF6-493A4A021F6F}" destId="{E5E528ED-8439-49AB-88C6-610CC21A526A}" srcOrd="0" destOrd="0" presId="urn:microsoft.com/office/officeart/2018/2/layout/IconCircleList"/>
+    <dgm:cxn modelId="{3BE6316E-D048-4A90-9943-C74A2DD10843}" type="presParOf" srcId="{07CE23AD-11DB-45B4-9AF7-1AE2B3555D20}" destId="{D5578B6A-FD9E-430C-BCC8-BB305D465CEA}" srcOrd="0" destOrd="0" presId="urn:microsoft.com/office/officeart/2018/2/layout/IconCircleList"/>
+    <dgm:cxn modelId="{386EF54C-D9F2-4514-A671-41E009E997A9}" type="presParOf" srcId="{D5578B6A-FD9E-430C-BCC8-BB305D465CEA}" destId="{11A6373A-E80E-447B-BCCC-867DC1B0FEED}" srcOrd="0" destOrd="0" presId="urn:microsoft.com/office/officeart/2018/2/layout/IconCircleList"/>
+    <dgm:cxn modelId="{C0AAE69F-FCAE-4F6E-A4CE-1B305C55C697}" type="presParOf" srcId="{11A6373A-E80E-447B-BCCC-867DC1B0FEED}" destId="{1B74F165-2BE7-427A-8B16-5D8958BE3F93}" srcOrd="0" destOrd="0" presId="urn:microsoft.com/office/officeart/2018/2/layout/IconCircleList"/>
+    <dgm:cxn modelId="{4917EB24-F7C2-4B25-AA90-EB8F819F04E4}" type="presParOf" srcId="{11A6373A-E80E-447B-BCCC-867DC1B0FEED}" destId="{BD01BDC6-9848-43D9-AC80-7A9178DD3D6A}" srcOrd="1" destOrd="0" presId="urn:microsoft.com/office/officeart/2018/2/layout/IconCircleList"/>
+    <dgm:cxn modelId="{60D9E9BA-5DAD-4788-8106-ABE0FE0051C9}" type="presParOf" srcId="{11A6373A-E80E-447B-BCCC-867DC1B0FEED}" destId="{080CA376-480C-444E-9B47-37FD28A5C93B}" srcOrd="2" destOrd="0" presId="urn:microsoft.com/office/officeart/2018/2/layout/IconCircleList"/>
+    <dgm:cxn modelId="{159286E9-9230-49F8-BA03-7650BE6ECDEB}" type="presParOf" srcId="{11A6373A-E80E-447B-BCCC-867DC1B0FEED}" destId="{9DFD1340-8E86-489A-B71A-F1E9F58E8FBA}" srcOrd="3" destOrd="0" presId="urn:microsoft.com/office/officeart/2018/2/layout/IconCircleList"/>
+    <dgm:cxn modelId="{20C00871-C195-4653-BF90-292D9E77D78B}" type="presParOf" srcId="{D5578B6A-FD9E-430C-BCC8-BB305D465CEA}" destId="{F487E690-5952-4EAF-B9FE-63855C482692}" srcOrd="1" destOrd="0" presId="urn:microsoft.com/office/officeart/2018/2/layout/IconCircleList"/>
+    <dgm:cxn modelId="{65444E65-4B29-498C-BD68-1BE685C1177C}" type="presParOf" srcId="{D5578B6A-FD9E-430C-BCC8-BB305D465CEA}" destId="{6E81F88A-B4B2-4049-AB0E-6BB89446E7E5}" srcOrd="2" destOrd="0" presId="urn:microsoft.com/office/officeart/2018/2/layout/IconCircleList"/>
+    <dgm:cxn modelId="{0CF253E7-EE95-4123-89DB-72C9A0FE7D20}" type="presParOf" srcId="{6E81F88A-B4B2-4049-AB0E-6BB89446E7E5}" destId="{8166013F-D58E-4426-ABE9-BAA33B5F9816}" srcOrd="0" destOrd="0" presId="urn:microsoft.com/office/officeart/2018/2/layout/IconCircleList"/>
+    <dgm:cxn modelId="{AC9394E3-D904-4068-B33A-DF2FCDFDA15F}" type="presParOf" srcId="{6E81F88A-B4B2-4049-AB0E-6BB89446E7E5}" destId="{F8B52B19-F6D6-4AC6-BC6F-E4617DDCBD4B}" srcOrd="1" destOrd="0" presId="urn:microsoft.com/office/officeart/2018/2/layout/IconCircleList"/>
+    <dgm:cxn modelId="{B506BECB-F1A5-4F77-BB4D-7753115E1F01}" type="presParOf" srcId="{6E81F88A-B4B2-4049-AB0E-6BB89446E7E5}" destId="{A533B5A5-CB00-4BAC-8EEB-DD2913B9AD78}" srcOrd="2" destOrd="0" presId="urn:microsoft.com/office/officeart/2018/2/layout/IconCircleList"/>
+    <dgm:cxn modelId="{F8ED4B72-70A1-4895-AB38-D1CF59A6DEEE}" type="presParOf" srcId="{6E81F88A-B4B2-4049-AB0E-6BB89446E7E5}" destId="{6779A600-EDA6-445F-AAFA-7B8FBB5C0BB4}" srcOrd="3" destOrd="0" presId="urn:microsoft.com/office/officeart/2018/2/layout/IconCircleList"/>
+    <dgm:cxn modelId="{A63907A5-49A4-4A59-8BBE-E8A989BCFAB7}" type="presParOf" srcId="{D5578B6A-FD9E-430C-BCC8-BB305D465CEA}" destId="{E5E528ED-8439-49AB-88C6-610CC21A526A}" srcOrd="3" destOrd="0" presId="urn:microsoft.com/office/officeart/2018/2/layout/IconCircleList"/>
+    <dgm:cxn modelId="{A0750F67-6D9F-4D23-AD1F-496B04EC535D}" type="presParOf" srcId="{D5578B6A-FD9E-430C-BCC8-BB305D465CEA}" destId="{1D6B6716-72AB-4736-A832-91DED30CEC46}" srcOrd="4" destOrd="0" presId="urn:microsoft.com/office/officeart/2018/2/layout/IconCircleList"/>
+    <dgm:cxn modelId="{6AEDF2CB-D8F3-46BF-8C16-FB5FC4C79EC8}" type="presParOf" srcId="{1D6B6716-72AB-4736-A832-91DED30CEC46}" destId="{ED0D71E5-F1A1-4CF0-854A-E8E5C24CD74E}" srcOrd="0" destOrd="0" presId="urn:microsoft.com/office/officeart/2018/2/layout/IconCircleList"/>
+    <dgm:cxn modelId="{E2AAF8E7-D4FF-4CB2-A5B2-8161FCE0BB19}" type="presParOf" srcId="{1D6B6716-72AB-4736-A832-91DED30CEC46}" destId="{B85ECF6F-F12E-4136-B663-2DDBC7ACA90F}" srcOrd="1" destOrd="0" presId="urn:microsoft.com/office/officeart/2018/2/layout/IconCircleList"/>
+    <dgm:cxn modelId="{9ED31E1C-C667-4D30-B587-6F7833DE920A}" type="presParOf" srcId="{1D6B6716-72AB-4736-A832-91DED30CEC46}" destId="{05CF4496-DBED-455B-86C0-4E245E8FA6E3}" srcOrd="2" destOrd="0" presId="urn:microsoft.com/office/officeart/2018/2/layout/IconCircleList"/>
+    <dgm:cxn modelId="{1CD40DEC-27AA-4D4D-8ACB-FF464C759DEF}" type="presParOf" srcId="{1D6B6716-72AB-4736-A832-91DED30CEC46}" destId="{8576C18E-3BE9-4CB6-9EA5-F2E9CF2E5E20}" srcOrd="3" destOrd="0" presId="urn:microsoft.com/office/officeart/2018/2/layout/IconCircleList"/>
+    <dgm:cxn modelId="{345626FE-2452-43AF-958D-2B626460DE2A}" type="presParOf" srcId="{D5578B6A-FD9E-430C-BCC8-BB305D465CEA}" destId="{7A951E6B-E2C4-430D-B6A8-21C26CC8097F}" srcOrd="5" destOrd="0" presId="urn:microsoft.com/office/officeart/2018/2/layout/IconCircleList"/>
+    <dgm:cxn modelId="{64E1721B-B0A5-45EC-AADE-F37696C34DEF}" type="presParOf" srcId="{D5578B6A-FD9E-430C-BCC8-BB305D465CEA}" destId="{4C38AB8D-C3EF-4758-B1D4-44A0E9C2CB5C}" srcOrd="6" destOrd="0" presId="urn:microsoft.com/office/officeart/2018/2/layout/IconCircleList"/>
+    <dgm:cxn modelId="{58FF4062-5B86-4EE2-A1EE-22E27FC5E6EE}" type="presParOf" srcId="{4C38AB8D-C3EF-4758-B1D4-44A0E9C2CB5C}" destId="{AF133663-7DCF-4004-8557-ED0C8B25F8C1}" srcOrd="0" destOrd="0" presId="urn:microsoft.com/office/officeart/2018/2/layout/IconCircleList"/>
+    <dgm:cxn modelId="{A72F64BD-F61A-4D4C-AAC5-A47709E8E383}" type="presParOf" srcId="{4C38AB8D-C3EF-4758-B1D4-44A0E9C2CB5C}" destId="{989CF73A-0C3D-43F1-96DA-F124D02775CD}" srcOrd="1" destOrd="0" presId="urn:microsoft.com/office/officeart/2018/2/layout/IconCircleList"/>
+    <dgm:cxn modelId="{96C76D69-CAB2-4DA7-A6F7-B2D287FDD93B}" type="presParOf" srcId="{4C38AB8D-C3EF-4758-B1D4-44A0E9C2CB5C}" destId="{0E534304-BBDC-432E-84D3-F45C1CC6D807}" srcOrd="2" destOrd="0" presId="urn:microsoft.com/office/officeart/2018/2/layout/IconCircleList"/>
+    <dgm:cxn modelId="{D6423A0F-B71B-48D4-BDFE-AA69B7909876}" type="presParOf" srcId="{4C38AB8D-C3EF-4758-B1D4-44A0E9C2CB5C}" destId="{7C51D418-7994-4DF1-A4ED-323EBF782CBA}" srcOrd="3" destOrd="0" presId="urn:microsoft.com/office/officeart/2018/2/layout/IconCircleList"/>
   </dgm:cxnLst>
   <dgm:bg/>
   <dgm:whole/>
@@ -4361,6 +5721,614 @@
 </dsp:drawing>
 </file>
 
+<file path=ppt/diagrams/drawing4.xml><?xml version="1.0" encoding="utf-8"?>
+<dsp:drawing xmlns:dgm="http://schemas.openxmlformats.org/drawingml/2006/diagram" xmlns:dsp="http://schemas.microsoft.com/office/drawing/2008/diagram" xmlns:a="http://schemas.openxmlformats.org/drawingml/2006/main">
+  <dsp:spTree>
+    <dsp:nvGrpSpPr>
+      <dsp:cNvPr id="0" name=""/>
+      <dsp:cNvGrpSpPr/>
+    </dsp:nvGrpSpPr>
+    <dsp:grpSpPr/>
+    <dsp:sp modelId="{1B74F165-2BE7-427A-8B16-5D8958BE3F93}">
+      <dsp:nvSpPr>
+        <dsp:cNvPr id="0" name=""/>
+        <dsp:cNvSpPr/>
+      </dsp:nvSpPr>
+      <dsp:spPr>
+        <a:xfrm>
+          <a:off x="455659" y="54465"/>
+          <a:ext cx="1250051" cy="1250051"/>
+        </a:xfrm>
+        <a:prstGeom prst="ellipse">
+          <a:avLst/>
+        </a:prstGeom>
+        <a:solidFill>
+          <a:schemeClr val="accent2">
+            <a:hueOff val="0"/>
+            <a:satOff val="0"/>
+            <a:lumOff val="0"/>
+            <a:alphaOff val="0"/>
+          </a:schemeClr>
+        </a:solidFill>
+        <a:ln>
+          <a:noFill/>
+        </a:ln>
+        <a:effectLst/>
+      </dsp:spPr>
+      <dsp:style>
+        <a:lnRef idx="0">
+          <a:scrgbClr r="0" g="0" b="0"/>
+        </a:lnRef>
+        <a:fillRef idx="1">
+          <a:scrgbClr r="0" g="0" b="0"/>
+        </a:fillRef>
+        <a:effectRef idx="0">
+          <a:scrgbClr r="0" g="0" b="0"/>
+        </a:effectRef>
+        <a:fontRef idx="minor"/>
+      </dsp:style>
+    </dsp:sp>
+    <dsp:sp modelId="{BD01BDC6-9848-43D9-AC80-7A9178DD3D6A}">
+      <dsp:nvSpPr>
+        <dsp:cNvPr id="0" name=""/>
+        <dsp:cNvSpPr/>
+      </dsp:nvSpPr>
+      <dsp:spPr>
+        <a:xfrm>
+          <a:off x="718170" y="316976"/>
+          <a:ext cx="725030" cy="725030"/>
+        </a:xfrm>
+        <a:prstGeom prst="rect">
+          <a:avLst/>
+        </a:prstGeom>
+        <a:blipFill>
+          <a:blip xmlns:r="http://schemas.openxmlformats.org/officeDocument/2006/relationships" r:embed="rId1">
+            <a:extLst>
+              <a:ext uri="{28A0092B-C50C-407E-A947-70E740481C1C}">
+                <a14:useLocalDpi xmlns:a14="http://schemas.microsoft.com/office/drawing/2010/main" val="0"/>
+              </a:ext>
+              <a:ext uri="{96DAC541-7B7A-43D3-8B79-37D633B846F1}">
+                <asvg:svgBlip xmlns:asvg="http://schemas.microsoft.com/office/drawing/2016/SVG/main" r:embed="rId2"/>
+              </a:ext>
+            </a:extLst>
+          </a:blip>
+          <a:stretch>
+            <a:fillRect/>
+          </a:stretch>
+        </a:blipFill>
+        <a:ln w="15875" cap="rnd" cmpd="sng" algn="ctr">
+          <a:noFill/>
+          <a:prstDash val="solid"/>
+        </a:ln>
+        <a:effectLst/>
+      </dsp:spPr>
+      <dsp:style>
+        <a:lnRef idx="2">
+          <a:scrgbClr r="0" g="0" b="0"/>
+        </a:lnRef>
+        <a:fillRef idx="1">
+          <a:scrgbClr r="0" g="0" b="0"/>
+        </a:fillRef>
+        <a:effectRef idx="0">
+          <a:scrgbClr r="0" g="0" b="0"/>
+        </a:effectRef>
+        <a:fontRef idx="minor">
+          <a:schemeClr val="lt1"/>
+        </a:fontRef>
+      </dsp:style>
+    </dsp:sp>
+    <dsp:sp modelId="{9DFD1340-8E86-489A-B71A-F1E9F58E8FBA}">
+      <dsp:nvSpPr>
+        <dsp:cNvPr id="0" name=""/>
+        <dsp:cNvSpPr/>
+      </dsp:nvSpPr>
+      <dsp:spPr>
+        <a:xfrm>
+          <a:off x="1973579" y="54465"/>
+          <a:ext cx="2946550" cy="1250051"/>
+        </a:xfrm>
+        <a:prstGeom prst="rect">
+          <a:avLst/>
+        </a:prstGeom>
+        <a:noFill/>
+        <a:ln>
+          <a:noFill/>
+        </a:ln>
+        <a:effectLst/>
+      </dsp:spPr>
+      <dsp:style>
+        <a:lnRef idx="0">
+          <a:scrgbClr r="0" g="0" b="0"/>
+        </a:lnRef>
+        <a:fillRef idx="0">
+          <a:scrgbClr r="0" g="0" b="0"/>
+        </a:fillRef>
+        <a:effectRef idx="0">
+          <a:scrgbClr r="0" g="0" b="0"/>
+        </a:effectRef>
+        <a:fontRef idx="minor"/>
+      </dsp:style>
+      <dsp:txBody>
+        <a:bodyPr spcFirstLastPara="0" vert="horz" wrap="square" lIns="0" tIns="0" rIns="0" bIns="0" numCol="1" spcCol="1270" anchor="ctr" anchorCtr="0">
+          <a:noAutofit/>
+        </a:bodyPr>
+        <a:lstStyle/>
+        <a:p>
+          <a:pPr marL="0" lvl="0" indent="0" algn="l" defTabSz="711200">
+            <a:lnSpc>
+              <a:spcPct val="90000"/>
+            </a:lnSpc>
+            <a:spcBef>
+              <a:spcPct val="0"/>
+            </a:spcBef>
+            <a:spcAft>
+              <a:spcPct val="35000"/>
+            </a:spcAft>
+            <a:buNone/>
+          </a:pPr>
+          <a:r>
+            <a:rPr lang="en-GB" sz="1600" kern="1200"/>
+            <a:t>Signature - looks at repetitive patterns produced that are unique to different steganography software </a:t>
+          </a:r>
+          <a:endParaRPr lang="en-US" sz="1600" kern="1200"/>
+        </a:p>
+      </dsp:txBody>
+      <dsp:txXfrm>
+        <a:off x="1973579" y="54465"/>
+        <a:ext cx="2946550" cy="1250051"/>
+      </dsp:txXfrm>
+    </dsp:sp>
+    <dsp:sp modelId="{8166013F-D58E-4426-ABE9-BAA33B5F9816}">
+      <dsp:nvSpPr>
+        <dsp:cNvPr id="0" name=""/>
+        <dsp:cNvSpPr/>
+      </dsp:nvSpPr>
+      <dsp:spPr>
+        <a:xfrm>
+          <a:off x="5433544" y="54465"/>
+          <a:ext cx="1250051" cy="1250051"/>
+        </a:xfrm>
+        <a:prstGeom prst="ellipse">
+          <a:avLst/>
+        </a:prstGeom>
+        <a:solidFill>
+          <a:schemeClr val="accent3">
+            <a:hueOff val="0"/>
+            <a:satOff val="0"/>
+            <a:lumOff val="0"/>
+            <a:alphaOff val="0"/>
+          </a:schemeClr>
+        </a:solidFill>
+        <a:ln>
+          <a:noFill/>
+        </a:ln>
+        <a:effectLst/>
+      </dsp:spPr>
+      <dsp:style>
+        <a:lnRef idx="0">
+          <a:scrgbClr r="0" g="0" b="0"/>
+        </a:lnRef>
+        <a:fillRef idx="1">
+          <a:scrgbClr r="0" g="0" b="0"/>
+        </a:fillRef>
+        <a:effectRef idx="0">
+          <a:scrgbClr r="0" g="0" b="0"/>
+        </a:effectRef>
+        <a:fontRef idx="minor"/>
+      </dsp:style>
+    </dsp:sp>
+    <dsp:sp modelId="{F8B52B19-F6D6-4AC6-BC6F-E4617DDCBD4B}">
+      <dsp:nvSpPr>
+        <dsp:cNvPr id="0" name=""/>
+        <dsp:cNvSpPr/>
+      </dsp:nvSpPr>
+      <dsp:spPr>
+        <a:xfrm>
+          <a:off x="5696055" y="316976"/>
+          <a:ext cx="725030" cy="725030"/>
+        </a:xfrm>
+        <a:prstGeom prst="rect">
+          <a:avLst/>
+        </a:prstGeom>
+        <a:blipFill>
+          <a:blip xmlns:r="http://schemas.openxmlformats.org/officeDocument/2006/relationships" r:embed="rId3">
+            <a:extLst>
+              <a:ext uri="{28A0092B-C50C-407E-A947-70E740481C1C}">
+                <a14:useLocalDpi xmlns:a14="http://schemas.microsoft.com/office/drawing/2010/main" val="0"/>
+              </a:ext>
+              <a:ext uri="{96DAC541-7B7A-43D3-8B79-37D633B846F1}">
+                <asvg:svgBlip xmlns:asvg="http://schemas.microsoft.com/office/drawing/2016/SVG/main" r:embed="rId4"/>
+              </a:ext>
+            </a:extLst>
+          </a:blip>
+          <a:stretch>
+            <a:fillRect/>
+          </a:stretch>
+        </a:blipFill>
+        <a:ln w="15875" cap="rnd" cmpd="sng" algn="ctr">
+          <a:noFill/>
+          <a:prstDash val="solid"/>
+        </a:ln>
+        <a:effectLst/>
+      </dsp:spPr>
+      <dsp:style>
+        <a:lnRef idx="2">
+          <a:scrgbClr r="0" g="0" b="0"/>
+        </a:lnRef>
+        <a:fillRef idx="1">
+          <a:scrgbClr r="0" g="0" b="0"/>
+        </a:fillRef>
+        <a:effectRef idx="0">
+          <a:scrgbClr r="0" g="0" b="0"/>
+        </a:effectRef>
+        <a:fontRef idx="minor">
+          <a:schemeClr val="lt1"/>
+        </a:fontRef>
+      </dsp:style>
+    </dsp:sp>
+    <dsp:sp modelId="{6779A600-EDA6-445F-AAFA-7B8FBB5C0BB4}">
+      <dsp:nvSpPr>
+        <dsp:cNvPr id="0" name=""/>
+        <dsp:cNvSpPr/>
+      </dsp:nvSpPr>
+      <dsp:spPr>
+        <a:xfrm>
+          <a:off x="6951464" y="54465"/>
+          <a:ext cx="2946550" cy="1250051"/>
+        </a:xfrm>
+        <a:prstGeom prst="rect">
+          <a:avLst/>
+        </a:prstGeom>
+        <a:noFill/>
+        <a:ln>
+          <a:noFill/>
+        </a:ln>
+        <a:effectLst/>
+      </dsp:spPr>
+      <dsp:style>
+        <a:lnRef idx="0">
+          <a:scrgbClr r="0" g="0" b="0"/>
+        </a:lnRef>
+        <a:fillRef idx="0">
+          <a:scrgbClr r="0" g="0" b="0"/>
+        </a:fillRef>
+        <a:effectRef idx="0">
+          <a:scrgbClr r="0" g="0" b="0"/>
+        </a:effectRef>
+        <a:fontRef idx="minor"/>
+      </dsp:style>
+      <dsp:txBody>
+        <a:bodyPr spcFirstLastPara="0" vert="horz" wrap="square" lIns="0" tIns="0" rIns="0" bIns="0" numCol="1" spcCol="1270" anchor="ctr" anchorCtr="0">
+          <a:noAutofit/>
+        </a:bodyPr>
+        <a:lstStyle/>
+        <a:p>
+          <a:pPr marL="0" lvl="0" indent="0" algn="l" defTabSz="711200">
+            <a:lnSpc>
+              <a:spcPct val="90000"/>
+            </a:lnSpc>
+            <a:spcBef>
+              <a:spcPct val="0"/>
+            </a:spcBef>
+            <a:spcAft>
+              <a:spcPct val="35000"/>
+            </a:spcAft>
+            <a:buNone/>
+          </a:pPr>
+          <a:r>
+            <a:rPr lang="en-GB" sz="1600" kern="1200"/>
+            <a:t>Statistical - this looks at the fundamental statistics of an image that would have been altered if any information were to be hidden within</a:t>
+          </a:r>
+          <a:endParaRPr lang="en-US" sz="1600" kern="1200"/>
+        </a:p>
+      </dsp:txBody>
+      <dsp:txXfrm>
+        <a:off x="6951464" y="54465"/>
+        <a:ext cx="2946550" cy="1250051"/>
+      </dsp:txXfrm>
+    </dsp:sp>
+    <dsp:sp modelId="{ED0D71E5-F1A1-4CF0-854A-E8E5C24CD74E}">
+      <dsp:nvSpPr>
+        <dsp:cNvPr id="0" name=""/>
+        <dsp:cNvSpPr/>
+      </dsp:nvSpPr>
+      <dsp:spPr>
+        <a:xfrm>
+          <a:off x="455659" y="1838898"/>
+          <a:ext cx="1250051" cy="1250051"/>
+        </a:xfrm>
+        <a:prstGeom prst="ellipse">
+          <a:avLst/>
+        </a:prstGeom>
+        <a:solidFill>
+          <a:schemeClr val="accent4">
+            <a:hueOff val="0"/>
+            <a:satOff val="0"/>
+            <a:lumOff val="0"/>
+            <a:alphaOff val="0"/>
+          </a:schemeClr>
+        </a:solidFill>
+        <a:ln>
+          <a:noFill/>
+        </a:ln>
+        <a:effectLst/>
+      </dsp:spPr>
+      <dsp:style>
+        <a:lnRef idx="0">
+          <a:scrgbClr r="0" g="0" b="0"/>
+        </a:lnRef>
+        <a:fillRef idx="1">
+          <a:scrgbClr r="0" g="0" b="0"/>
+        </a:fillRef>
+        <a:effectRef idx="0">
+          <a:scrgbClr r="0" g="0" b="0"/>
+        </a:effectRef>
+        <a:fontRef idx="minor"/>
+      </dsp:style>
+    </dsp:sp>
+    <dsp:sp modelId="{B85ECF6F-F12E-4136-B663-2DDBC7ACA90F}">
+      <dsp:nvSpPr>
+        <dsp:cNvPr id="0" name=""/>
+        <dsp:cNvSpPr/>
+      </dsp:nvSpPr>
+      <dsp:spPr>
+        <a:xfrm>
+          <a:off x="718170" y="2101409"/>
+          <a:ext cx="725030" cy="725030"/>
+        </a:xfrm>
+        <a:prstGeom prst="rect">
+          <a:avLst/>
+        </a:prstGeom>
+        <a:blipFill>
+          <a:blip xmlns:r="http://schemas.openxmlformats.org/officeDocument/2006/relationships" r:embed="rId5">
+            <a:extLst>
+              <a:ext uri="{28A0092B-C50C-407E-A947-70E740481C1C}">
+                <a14:useLocalDpi xmlns:a14="http://schemas.microsoft.com/office/drawing/2010/main" val="0"/>
+              </a:ext>
+              <a:ext uri="{96DAC541-7B7A-43D3-8B79-37D633B846F1}">
+                <asvg:svgBlip xmlns:asvg="http://schemas.microsoft.com/office/drawing/2016/SVG/main" r:embed="rId6"/>
+              </a:ext>
+            </a:extLst>
+          </a:blip>
+          <a:stretch>
+            <a:fillRect/>
+          </a:stretch>
+        </a:blipFill>
+        <a:ln w="15875" cap="rnd" cmpd="sng" algn="ctr">
+          <a:noFill/>
+          <a:prstDash val="solid"/>
+        </a:ln>
+        <a:effectLst/>
+      </dsp:spPr>
+      <dsp:style>
+        <a:lnRef idx="2">
+          <a:scrgbClr r="0" g="0" b="0"/>
+        </a:lnRef>
+        <a:fillRef idx="1">
+          <a:scrgbClr r="0" g="0" b="0"/>
+        </a:fillRef>
+        <a:effectRef idx="0">
+          <a:scrgbClr r="0" g="0" b="0"/>
+        </a:effectRef>
+        <a:fontRef idx="minor">
+          <a:schemeClr val="lt1"/>
+        </a:fontRef>
+      </dsp:style>
+    </dsp:sp>
+    <dsp:sp modelId="{8576C18E-3BE9-4CB6-9EA5-F2E9CF2E5E20}">
+      <dsp:nvSpPr>
+        <dsp:cNvPr id="0" name=""/>
+        <dsp:cNvSpPr/>
+      </dsp:nvSpPr>
+      <dsp:spPr>
+        <a:xfrm>
+          <a:off x="1973579" y="1838898"/>
+          <a:ext cx="2946550" cy="1250051"/>
+        </a:xfrm>
+        <a:prstGeom prst="rect">
+          <a:avLst/>
+        </a:prstGeom>
+        <a:noFill/>
+        <a:ln>
+          <a:noFill/>
+        </a:ln>
+        <a:effectLst/>
+      </dsp:spPr>
+      <dsp:style>
+        <a:lnRef idx="0">
+          <a:scrgbClr r="0" g="0" b="0"/>
+        </a:lnRef>
+        <a:fillRef idx="0">
+          <a:scrgbClr r="0" g="0" b="0"/>
+        </a:fillRef>
+        <a:effectRef idx="0">
+          <a:scrgbClr r="0" g="0" b="0"/>
+        </a:effectRef>
+        <a:fontRef idx="minor"/>
+      </dsp:style>
+      <dsp:txBody>
+        <a:bodyPr spcFirstLastPara="0" vert="horz" wrap="square" lIns="0" tIns="0" rIns="0" bIns="0" numCol="1" spcCol="1270" anchor="ctr" anchorCtr="0">
+          <a:noAutofit/>
+        </a:bodyPr>
+        <a:lstStyle/>
+        <a:p>
+          <a:pPr marL="0" lvl="0" indent="0" algn="l" defTabSz="711200">
+            <a:lnSpc>
+              <a:spcPct val="90000"/>
+            </a:lnSpc>
+            <a:spcBef>
+              <a:spcPct val="0"/>
+            </a:spcBef>
+            <a:spcAft>
+              <a:spcPct val="35000"/>
+            </a:spcAft>
+            <a:buNone/>
+          </a:pPr>
+          <a:r>
+            <a:rPr lang="en-GB" sz="1600" kern="1200"/>
+            <a:t>Specific steganalysis - targets a specific steganography algorithm</a:t>
+          </a:r>
+          <a:endParaRPr lang="en-US" sz="1600" kern="1200"/>
+        </a:p>
+      </dsp:txBody>
+      <dsp:txXfrm>
+        <a:off x="1973579" y="1838898"/>
+        <a:ext cx="2946550" cy="1250051"/>
+      </dsp:txXfrm>
+    </dsp:sp>
+    <dsp:sp modelId="{AF133663-7DCF-4004-8557-ED0C8B25F8C1}">
+      <dsp:nvSpPr>
+        <dsp:cNvPr id="0" name=""/>
+        <dsp:cNvSpPr/>
+      </dsp:nvSpPr>
+      <dsp:spPr>
+        <a:xfrm>
+          <a:off x="5433544" y="1838898"/>
+          <a:ext cx="1250051" cy="1250051"/>
+        </a:xfrm>
+        <a:prstGeom prst="ellipse">
+          <a:avLst/>
+        </a:prstGeom>
+        <a:solidFill>
+          <a:schemeClr val="accent5">
+            <a:hueOff val="0"/>
+            <a:satOff val="0"/>
+            <a:lumOff val="0"/>
+            <a:alphaOff val="0"/>
+          </a:schemeClr>
+        </a:solidFill>
+        <a:ln>
+          <a:noFill/>
+        </a:ln>
+        <a:effectLst/>
+      </dsp:spPr>
+      <dsp:style>
+        <a:lnRef idx="0">
+          <a:scrgbClr r="0" g="0" b="0"/>
+        </a:lnRef>
+        <a:fillRef idx="1">
+          <a:scrgbClr r="0" g="0" b="0"/>
+        </a:fillRef>
+        <a:effectRef idx="0">
+          <a:scrgbClr r="0" g="0" b="0"/>
+        </a:effectRef>
+        <a:fontRef idx="minor"/>
+      </dsp:style>
+    </dsp:sp>
+    <dsp:sp modelId="{989CF73A-0C3D-43F1-96DA-F124D02775CD}">
+      <dsp:nvSpPr>
+        <dsp:cNvPr id="0" name=""/>
+        <dsp:cNvSpPr/>
+      </dsp:nvSpPr>
+      <dsp:spPr>
+        <a:xfrm>
+          <a:off x="5696055" y="2101409"/>
+          <a:ext cx="725030" cy="725030"/>
+        </a:xfrm>
+        <a:prstGeom prst="rect">
+          <a:avLst/>
+        </a:prstGeom>
+        <a:blipFill>
+          <a:blip xmlns:r="http://schemas.openxmlformats.org/officeDocument/2006/relationships" r:embed="rId7">
+            <a:extLst>
+              <a:ext uri="{28A0092B-C50C-407E-A947-70E740481C1C}">
+                <a14:useLocalDpi xmlns:a14="http://schemas.microsoft.com/office/drawing/2010/main" val="0"/>
+              </a:ext>
+              <a:ext uri="{96DAC541-7B7A-43D3-8B79-37D633B846F1}">
+                <asvg:svgBlip xmlns:asvg="http://schemas.microsoft.com/office/drawing/2016/SVG/main" r:embed="rId8"/>
+              </a:ext>
+            </a:extLst>
+          </a:blip>
+          <a:stretch>
+            <a:fillRect/>
+          </a:stretch>
+        </a:blipFill>
+        <a:ln w="15875" cap="rnd" cmpd="sng" algn="ctr">
+          <a:noFill/>
+          <a:prstDash val="solid"/>
+        </a:ln>
+        <a:effectLst/>
+      </dsp:spPr>
+      <dsp:style>
+        <a:lnRef idx="2">
+          <a:scrgbClr r="0" g="0" b="0"/>
+        </a:lnRef>
+        <a:fillRef idx="1">
+          <a:scrgbClr r="0" g="0" b="0"/>
+        </a:fillRef>
+        <a:effectRef idx="0">
+          <a:scrgbClr r="0" g="0" b="0"/>
+        </a:effectRef>
+        <a:fontRef idx="minor">
+          <a:schemeClr val="lt1"/>
+        </a:fontRef>
+      </dsp:style>
+    </dsp:sp>
+    <dsp:sp modelId="{7C51D418-7994-4DF1-A4ED-323EBF782CBA}">
+      <dsp:nvSpPr>
+        <dsp:cNvPr id="0" name=""/>
+        <dsp:cNvSpPr/>
+      </dsp:nvSpPr>
+      <dsp:spPr>
+        <a:xfrm>
+          <a:off x="6951464" y="1838898"/>
+          <a:ext cx="2946550" cy="1250051"/>
+        </a:xfrm>
+        <a:prstGeom prst="rect">
+          <a:avLst/>
+        </a:prstGeom>
+        <a:noFill/>
+        <a:ln>
+          <a:noFill/>
+        </a:ln>
+        <a:effectLst/>
+      </dsp:spPr>
+      <dsp:style>
+        <a:lnRef idx="0">
+          <a:scrgbClr r="0" g="0" b="0"/>
+        </a:lnRef>
+        <a:fillRef idx="0">
+          <a:scrgbClr r="0" g="0" b="0"/>
+        </a:fillRef>
+        <a:effectRef idx="0">
+          <a:scrgbClr r="0" g="0" b="0"/>
+        </a:effectRef>
+        <a:fontRef idx="minor"/>
+      </dsp:style>
+      <dsp:txBody>
+        <a:bodyPr spcFirstLastPara="0" vert="horz" wrap="square" lIns="0" tIns="0" rIns="0" bIns="0" numCol="1" spcCol="1270" anchor="ctr" anchorCtr="0">
+          <a:noAutofit/>
+        </a:bodyPr>
+        <a:lstStyle/>
+        <a:p>
+          <a:pPr marL="0" lvl="0" indent="0" algn="l" defTabSz="711200">
+            <a:lnSpc>
+              <a:spcPct val="90000"/>
+            </a:lnSpc>
+            <a:spcBef>
+              <a:spcPct val="0"/>
+            </a:spcBef>
+            <a:spcAft>
+              <a:spcPct val="35000"/>
+            </a:spcAft>
+            <a:buNone/>
+          </a:pPr>
+          <a:r>
+            <a:rPr lang="en-GB" sz="1600" kern="1200"/>
+            <a:t>Universal statistical analysis - use machine learning to form a detection system We recommend installing steganalysis software such as Real-Time Steganalysis</a:t>
+          </a:r>
+          <a:endParaRPr lang="en-US" sz="1600" kern="1200"/>
+        </a:p>
+      </dsp:txBody>
+      <dsp:txXfrm>
+        <a:off x="6951464" y="1838898"/>
+        <a:ext cx="2946550" cy="1250051"/>
+      </dsp:txXfrm>
+    </dsp:sp>
+  </dsp:spTree>
+</dsp:drawing>
+</file>
+
 <file path=ppt/diagrams/layout1.xml><?xml version="1.0" encoding="utf-8"?>
 <dgm:layoutDef xmlns:dgm="http://schemas.openxmlformats.org/drawingml/2006/diagram" xmlns:a="http://schemas.openxmlformats.org/drawingml/2006/main" uniqueId="urn:microsoft.com/office/officeart/2005/8/layout/process4">
   <dgm:title val=""/>
@@ -5127,6 +7095,218 @@
 </dgm:layoutDef>
 </file>
 
+<file path=ppt/diagrams/layout4.xml><?xml version="1.0" encoding="utf-8"?>
+<dgm:layoutDef xmlns:dgm="http://schemas.openxmlformats.org/drawingml/2006/diagram" xmlns:a="http://schemas.openxmlformats.org/drawingml/2006/main" uniqueId="urn:microsoft.com/office/officeart/2018/2/layout/IconCircleList">
+  <dgm:title val="Icon Circle List"/>
+  <dgm:desc val="Use to show non-sequential or grouped chunks of information accompanied by related visuals. Circular shapes can hold an icon or small picture and corresponding text box shows Level 1 text. Works best for icons or small pictures with medium-length descriptions."/>
+  <dgm:catLst>
+    <dgm:cat type="icon" pri="500"/>
+  </dgm:catLst>
+  <dgm:sampData useDef="1">
+    <dgm:dataModel>
+      <dgm:ptLst/>
+      <dgm:bg/>
+      <dgm:whole/>
+    </dgm:dataModel>
+  </dgm:sampData>
+  <dgm:styleData useDef="1">
+    <dgm:dataModel>
+      <dgm:ptLst/>
+      <dgm:bg/>
+      <dgm:whole/>
+    </dgm:dataModel>
+  </dgm:styleData>
+  <dgm:clrData useDef="1">
+    <dgm:dataModel>
+      <dgm:ptLst/>
+      <dgm:bg/>
+      <dgm:whole/>
+    </dgm:dataModel>
+  </dgm:clrData>
+  <dgm:layoutNode name="root">
+    <dgm:varLst>
+      <dgm:dir/>
+      <dgm:resizeHandles val="exact"/>
+    </dgm:varLst>
+    <dgm:alg type="sp"/>
+    <dgm:shape xmlns:r="http://schemas.openxmlformats.org/officeDocument/2006/relationships" r:blip="">
+      <dgm:adjLst/>
+    </dgm:shape>
+    <dgm:presOf/>
+    <dgm:choose name="Name0">
+      <dgm:if name="Name1" axis="ch" ptType="node" func="cnt" op="lte" val="3">
+        <dgm:constrLst>
+          <dgm:constr type="w" for="ch" forName="container" refType="w"/>
+          <dgm:constr type="h" for="ch" forName="container" refType="h" fact="0.4"/>
+        </dgm:constrLst>
+      </dgm:if>
+      <dgm:else name="Name2">
+        <dgm:constrLst>
+          <dgm:constr type="w" for="ch" forName="container" refType="w"/>
+          <dgm:constr type="h" for="ch" forName="container" refType="h"/>
+        </dgm:constrLst>
+      </dgm:else>
+    </dgm:choose>
+    <dgm:ruleLst>
+      <dgm:rule type="h" for="ch" forName="container" val="INF" fact="NaN" max="NaN"/>
+    </dgm:ruleLst>
+    <dgm:layoutNode name="container">
+      <dgm:varLst>
+        <dgm:dir/>
+        <dgm:resizeHandles val="exact"/>
+      </dgm:varLst>
+      <dgm:choose name="Name3">
+        <dgm:if name="Name4" axis="self" func="var" arg="dir" op="equ" val="norm">
+          <dgm:alg type="snake">
+            <dgm:param type="grDir" val="tL"/>
+            <dgm:param type="flowDir" val="row"/>
+            <dgm:param type="contDir" val="sameDir"/>
+          </dgm:alg>
+        </dgm:if>
+        <dgm:else name="Name5">
+          <dgm:alg type="snake">
+            <dgm:param type="grDir" val="tR"/>
+            <dgm:param type="flowDir" val="row"/>
+            <dgm:param type="contDir" val="sameDir"/>
+          </dgm:alg>
+        </dgm:else>
+      </dgm:choose>
+      <dgm:shape xmlns:r="http://schemas.openxmlformats.org/officeDocument/2006/relationships" r:blip="">
+        <dgm:adjLst/>
+      </dgm:shape>
+      <dgm:presOf/>
+      <dgm:constrLst>
+        <dgm:constr type="w" for="ch" forName="compNode" refType="w"/>
+        <dgm:constr type="h" for="ch" forName="compNode" refType="w" fact="0.28"/>
+        <dgm:constr type="w" for="ch" forName="sibTrans" refType="w" refFor="ch" refForName="compNode" fact="0.115"/>
+        <dgm:constr type="sp" refType="h" op="equ" fact="0.17"/>
+        <dgm:constr type="primFontSz" for="des" ptType="node" op="equ" val="24"/>
+        <dgm:constr type="h" for="des" forName="compNode" op="equ"/>
+        <dgm:constr type="h" for="des" forName="iconBgRect" op="equ"/>
+      </dgm:constrLst>
+      <dgm:ruleLst>
+        <dgm:rule type="w" for="ch" forName="compNode" val="60" fact="NaN" max="NaN"/>
+      </dgm:ruleLst>
+      <dgm:forEach name="Name6" axis="ch" ptType="node">
+        <dgm:layoutNode name="compNode">
+          <dgm:alg type="composite"/>
+          <dgm:shape xmlns:r="http://schemas.openxmlformats.org/officeDocument/2006/relationships" r:blip="">
+            <dgm:adjLst/>
+          </dgm:shape>
+          <dgm:presOf axis="self"/>
+          <dgm:constrLst>
+            <dgm:constr type="w" for="ch" forName="iconBgRect" refType="w" fact="0.28"/>
+            <dgm:constr type="h" for="ch" forName="iconBgRect" refType="w" refFor="ch" refForName="iconBgRect"/>
+            <dgm:constr type="t" for="ch" forName="iconBgRect"/>
+            <dgm:constr type="l" for="ch" forName="iconBgRect"/>
+            <dgm:constr type="w" for="ch" forName="iconRect" refType="w" refFor="ch" refForName="iconBgRect" fact="0.58"/>
+            <dgm:constr type="h" for="ch" forName="iconRect" refType="w" refFor="ch" refForName="iconRect"/>
+            <dgm:constr type="ctrX" for="ch" forName="iconRect" refType="ctrX" refFor="ch" refForName="iconBgRect"/>
+            <dgm:constr type="ctrY" for="ch" forName="iconRect" refType="ctrY" refFor="ch" refForName="iconBgRect"/>
+            <dgm:constr type="w" for="ch" forName="spaceRect" refType="w" fact="0.06"/>
+            <dgm:constr type="h" for="ch" forName="spaceRect" refType="h" refFor="ch" refForName="iconBgRect"/>
+            <dgm:constr type="t" for="ch" forName="spaceRect" refType="t" refFor="ch" refForName="iconBgRect"/>
+            <dgm:constr type="l" for="ch" forName="spaceRect" refType="r" refFor="ch" refForName="iconBgRect"/>
+            <dgm:constr type="h" for="ch" forName="textRect" refType="h" refFor="ch" refForName="iconBgRect"/>
+            <dgm:constr type="t" for="ch" forName="textRect" refType="t" refFor="ch" refForName="iconBgRect"/>
+            <dgm:constr type="l" for="ch" forName="textRect" refType="r" refFor="ch" refForName="spaceRect"/>
+          </dgm:constrLst>
+          <dgm:ruleLst/>
+          <dgm:layoutNode name="iconBgRect" styleLbl="bgShp">
+            <dgm:alg type="sp"/>
+            <dgm:shape xmlns:r="http://schemas.openxmlformats.org/officeDocument/2006/relationships" type="ellipse" r:blip="">
+              <dgm:adjLst/>
+            </dgm:shape>
+            <dgm:presOf/>
+            <dgm:constrLst/>
+            <dgm:ruleLst/>
+          </dgm:layoutNode>
+          <dgm:layoutNode name="iconRect" styleLbl="node1">
+            <dgm:alg type="sp"/>
+            <dgm:shape xmlns:r="http://schemas.openxmlformats.org/officeDocument/2006/relationships" type="rect" r:blip="" blipPhldr="1">
+              <dgm:adjLst/>
+            </dgm:shape>
+            <dgm:presOf/>
+            <dgm:constrLst/>
+            <dgm:ruleLst/>
+          </dgm:layoutNode>
+          <dgm:layoutNode name="spaceRect">
+            <dgm:alg type="sp"/>
+            <dgm:shape xmlns:r="http://schemas.openxmlformats.org/officeDocument/2006/relationships" r:blip="">
+              <dgm:adjLst/>
+            </dgm:shape>
+            <dgm:presOf/>
+            <dgm:constrLst/>
+            <dgm:ruleLst/>
+          </dgm:layoutNode>
+          <dgm:layoutNode name="textRect" styleLbl="revTx">
+            <dgm:varLst>
+              <dgm:chMax val="1"/>
+              <dgm:chPref val="1"/>
+            </dgm:varLst>
+            <dgm:choose name="Name7">
+              <dgm:if name="Name8" func="var" arg="dir" op="equ" val="norm">
+                <dgm:alg type="tx">
+                  <dgm:param type="txAnchorVert" val="mid"/>
+                  <dgm:param type="parTxLTRAlign" val="l"/>
+                  <dgm:param type="shpTxLTRAlignCh" val="l"/>
+                  <dgm:param type="parTxRTLAlign" val="l"/>
+                  <dgm:param type="shpTxRTLAlignCh" val="l"/>
+                </dgm:alg>
+              </dgm:if>
+              <dgm:else name="Name9">
+                <dgm:alg type="tx">
+                  <dgm:param type="txAnchorVert" val="mid"/>
+                  <dgm:param type="parTxLTRAlign" val="r"/>
+                  <dgm:param type="shpTxLTRAlignCh" val="r"/>
+                  <dgm:param type="parTxRTLAlign" val="r"/>
+                  <dgm:param type="shpTxRTLAlignCh" val="r"/>
+                </dgm:alg>
+              </dgm:else>
+            </dgm:choose>
+            <dgm:shape xmlns:r="http://schemas.openxmlformats.org/officeDocument/2006/relationships" type="rect" r:blip="">
+              <dgm:adjLst/>
+            </dgm:shape>
+            <dgm:presOf axis="self" ptType="node"/>
+            <dgm:constrLst>
+              <dgm:constr type="lMarg"/>
+              <dgm:constr type="rMarg"/>
+              <dgm:constr type="tMarg"/>
+              <dgm:constr type="bMarg"/>
+            </dgm:constrLst>
+            <dgm:ruleLst>
+              <dgm:rule type="primFontSz" val="11" fact="NaN" max="NaN"/>
+            </dgm:ruleLst>
+          </dgm:layoutNode>
+        </dgm:layoutNode>
+        <dgm:forEach name="Name10" axis="followSib" ptType="sibTrans" cnt="1">
+          <dgm:layoutNode name="sibTrans">
+            <dgm:alg type="sp"/>
+            <dgm:shape xmlns:r="http://schemas.openxmlformats.org/officeDocument/2006/relationships" type="rect" r:blip="" hideGeom="1">
+              <dgm:adjLst/>
+            </dgm:shape>
+            <dgm:presOf axis="self"/>
+            <dgm:constrLst/>
+            <dgm:ruleLst/>
+          </dgm:layoutNode>
+        </dgm:forEach>
+      </dgm:forEach>
+    </dgm:layoutNode>
+  </dgm:layoutNode>
+  <dgm:extLst>
+    <a:ext uri="{68A01E43-0DF5-4B5B-8FA6-DAF915123BFB}">
+      <dgm1612:lstStyle xmlns:dgm1612="http://schemas.microsoft.com/office/drawing/2016/12/diagram">
+        <a:lvl1pPr>
+          <a:lnSpc>
+            <a:spcPct val="100000"/>
+          </a:lnSpc>
+        </a:lvl1pPr>
+      </dgm1612:lstStyle>
+    </a:ext>
+  </dgm:extLst>
+</dgm:layoutDef>
+</file>
+
 <file path=ppt/diagrams/quickStyle1.xml><?xml version="1.0" encoding="utf-8"?>
 <dgm:styleDef xmlns:dgm="http://schemas.openxmlformats.org/drawingml/2006/diagram" xmlns:a="http://schemas.openxmlformats.org/drawingml/2006/main" uniqueId="urn:microsoft.com/office/officeart/2005/8/quickstyle/simple1">
   <dgm:title val=""/>
@@ -7196,6 +9376,1040 @@
 </file>
 
 <file path=ppt/diagrams/quickStyle3.xml><?xml version="1.0" encoding="utf-8"?>
+<dgm:styleDef xmlns:dgm="http://schemas.openxmlformats.org/drawingml/2006/diagram" xmlns:a="http://schemas.openxmlformats.org/drawingml/2006/main" uniqueId="urn:microsoft.com/office/officeart/2005/8/quickstyle/simple1">
+  <dgm:title val=""/>
+  <dgm:desc val=""/>
+  <dgm:catLst>
+    <dgm:cat type="simple" pri="10100"/>
+  </dgm:catLst>
+  <dgm:scene3d>
+    <a:camera prst="orthographicFront"/>
+    <a:lightRig rig="threePt" dir="t"/>
+  </dgm:scene3d>
+  <dgm:styleLbl name="node0">
+    <dgm:scene3d>
+      <a:camera prst="orthographicFront"/>
+      <a:lightRig rig="threePt" dir="t"/>
+    </dgm:scene3d>
+    <dgm:sp3d/>
+    <dgm:txPr/>
+    <dgm:style>
+      <a:lnRef idx="2">
+        <a:scrgbClr r="0" g="0" b="0"/>
+      </a:lnRef>
+      <a:fillRef idx="1">
+        <a:scrgbClr r="0" g="0" b="0"/>
+      </a:fillRef>
+      <a:effectRef idx="0">
+        <a:scrgbClr r="0" g="0" b="0"/>
+      </a:effectRef>
+      <a:fontRef idx="minor">
+        <a:schemeClr val="lt1"/>
+      </a:fontRef>
+    </dgm:style>
+  </dgm:styleLbl>
+  <dgm:styleLbl name="lnNode1">
+    <dgm:scene3d>
+      <a:camera prst="orthographicFront"/>
+      <a:lightRig rig="threePt" dir="t"/>
+    </dgm:scene3d>
+    <dgm:sp3d/>
+    <dgm:txPr/>
+    <dgm:style>
+      <a:lnRef idx="2">
+        <a:scrgbClr r="0" g="0" b="0"/>
+      </a:lnRef>
+      <a:fillRef idx="1">
+        <a:scrgbClr r="0" g="0" b="0"/>
+      </a:fillRef>
+      <a:effectRef idx="0">
+        <a:scrgbClr r="0" g="0" b="0"/>
+      </a:effectRef>
+      <a:fontRef idx="minor">
+        <a:schemeClr val="lt1"/>
+      </a:fontRef>
+    </dgm:style>
+  </dgm:styleLbl>
+  <dgm:styleLbl name="vennNode1">
+    <dgm:scene3d>
+      <a:camera prst="orthographicFront"/>
+      <a:lightRig rig="threePt" dir="t"/>
+    </dgm:scene3d>
+    <dgm:sp3d/>
+    <dgm:txPr/>
+    <dgm:style>
+      <a:lnRef idx="2">
+        <a:scrgbClr r="0" g="0" b="0"/>
+      </a:lnRef>
+      <a:fillRef idx="1">
+        <a:scrgbClr r="0" g="0" b="0"/>
+      </a:fillRef>
+      <a:effectRef idx="0">
+        <a:scrgbClr r="0" g="0" b="0"/>
+      </a:effectRef>
+      <a:fontRef idx="minor">
+        <a:schemeClr val="tx1"/>
+      </a:fontRef>
+    </dgm:style>
+  </dgm:styleLbl>
+  <dgm:styleLbl name="alignNode1">
+    <dgm:scene3d>
+      <a:camera prst="orthographicFront"/>
+      <a:lightRig rig="threePt" dir="t"/>
+    </dgm:scene3d>
+    <dgm:sp3d/>
+    <dgm:txPr/>
+    <dgm:style>
+      <a:lnRef idx="2">
+        <a:scrgbClr r="0" g="0" b="0"/>
+      </a:lnRef>
+      <a:fillRef idx="1">
+        <a:scrgbClr r="0" g="0" b="0"/>
+      </a:fillRef>
+      <a:effectRef idx="0">
+        <a:scrgbClr r="0" g="0" b="0"/>
+      </a:effectRef>
+      <a:fontRef idx="minor">
+        <a:schemeClr val="lt1"/>
+      </a:fontRef>
+    </dgm:style>
+  </dgm:styleLbl>
+  <dgm:styleLbl name="node1">
+    <dgm:scene3d>
+      <a:camera prst="orthographicFront"/>
+      <a:lightRig rig="threePt" dir="t"/>
+    </dgm:scene3d>
+    <dgm:sp3d/>
+    <dgm:txPr/>
+    <dgm:style>
+      <a:lnRef idx="2">
+        <a:scrgbClr r="0" g="0" b="0"/>
+      </a:lnRef>
+      <a:fillRef idx="1">
+        <a:scrgbClr r="0" g="0" b="0"/>
+      </a:fillRef>
+      <a:effectRef idx="0">
+        <a:scrgbClr r="0" g="0" b="0"/>
+      </a:effectRef>
+      <a:fontRef idx="minor">
+        <a:schemeClr val="lt1"/>
+      </a:fontRef>
+    </dgm:style>
+  </dgm:styleLbl>
+  <dgm:styleLbl name="node2">
+    <dgm:scene3d>
+      <a:camera prst="orthographicFront"/>
+      <a:lightRig rig="threePt" dir="t"/>
+    </dgm:scene3d>
+    <dgm:sp3d/>
+    <dgm:txPr/>
+    <dgm:style>
+      <a:lnRef idx="2">
+        <a:scrgbClr r="0" g="0" b="0"/>
+      </a:lnRef>
+      <a:fillRef idx="1">
+        <a:scrgbClr r="0" g="0" b="0"/>
+      </a:fillRef>
+      <a:effectRef idx="0">
+        <a:scrgbClr r="0" g="0" b="0"/>
+      </a:effectRef>
+      <a:fontRef idx="minor">
+        <a:schemeClr val="lt1"/>
+      </a:fontRef>
+    </dgm:style>
+  </dgm:styleLbl>
+  <dgm:styleLbl name="node3">
+    <dgm:scene3d>
+      <a:camera prst="orthographicFront"/>
+      <a:lightRig rig="threePt" dir="t"/>
+    </dgm:scene3d>
+    <dgm:sp3d/>
+    <dgm:txPr/>
+    <dgm:style>
+      <a:lnRef idx="2">
+        <a:scrgbClr r="0" g="0" b="0"/>
+      </a:lnRef>
+      <a:fillRef idx="1">
+        <a:scrgbClr r="0" g="0" b="0"/>
+      </a:fillRef>
+      <a:effectRef idx="0">
+        <a:scrgbClr r="0" g="0" b="0"/>
+      </a:effectRef>
+      <a:fontRef idx="minor">
+        <a:schemeClr val="lt1"/>
+      </a:fontRef>
+    </dgm:style>
+  </dgm:styleLbl>
+  <dgm:styleLbl name="node4">
+    <dgm:scene3d>
+      <a:camera prst="orthographicFront"/>
+      <a:lightRig rig="threePt" dir="t"/>
+    </dgm:scene3d>
+    <dgm:sp3d/>
+    <dgm:txPr/>
+    <dgm:style>
+      <a:lnRef idx="2">
+        <a:scrgbClr r="0" g="0" b="0"/>
+      </a:lnRef>
+      <a:fillRef idx="1">
+        <a:scrgbClr r="0" g="0" b="0"/>
+      </a:fillRef>
+      <a:effectRef idx="0">
+        <a:scrgbClr r="0" g="0" b="0"/>
+      </a:effectRef>
+      <a:fontRef idx="minor">
+        <a:schemeClr val="lt1"/>
+      </a:fontRef>
+    </dgm:style>
+  </dgm:styleLbl>
+  <dgm:styleLbl name="fgImgPlace1">
+    <dgm:scene3d>
+      <a:camera prst="orthographicFront"/>
+      <a:lightRig rig="threePt" dir="t"/>
+    </dgm:scene3d>
+    <dgm:sp3d/>
+    <dgm:txPr/>
+    <dgm:style>
+      <a:lnRef idx="2">
+        <a:scrgbClr r="0" g="0" b="0"/>
+      </a:lnRef>
+      <a:fillRef idx="1">
+        <a:scrgbClr r="0" g="0" b="0"/>
+      </a:fillRef>
+      <a:effectRef idx="0">
+        <a:scrgbClr r="0" g="0" b="0"/>
+      </a:effectRef>
+      <a:fontRef idx="minor"/>
+    </dgm:style>
+  </dgm:styleLbl>
+  <dgm:styleLbl name="alignImgPlace1">
+    <dgm:scene3d>
+      <a:camera prst="orthographicFront"/>
+      <a:lightRig rig="threePt" dir="t"/>
+    </dgm:scene3d>
+    <dgm:sp3d/>
+    <dgm:txPr/>
+    <dgm:style>
+      <a:lnRef idx="2">
+        <a:scrgbClr r="0" g="0" b="0"/>
+      </a:lnRef>
+      <a:fillRef idx="1">
+        <a:scrgbClr r="0" g="0" b="0"/>
+      </a:fillRef>
+      <a:effectRef idx="0">
+        <a:scrgbClr r="0" g="0" b="0"/>
+      </a:effectRef>
+      <a:fontRef idx="minor"/>
+    </dgm:style>
+  </dgm:styleLbl>
+  <dgm:styleLbl name="bgImgPlace1">
+    <dgm:scene3d>
+      <a:camera prst="orthographicFront"/>
+      <a:lightRig rig="threePt" dir="t"/>
+    </dgm:scene3d>
+    <dgm:sp3d/>
+    <dgm:txPr/>
+    <dgm:style>
+      <a:lnRef idx="2">
+        <a:scrgbClr r="0" g="0" b="0"/>
+      </a:lnRef>
+      <a:fillRef idx="1">
+        <a:scrgbClr r="0" g="0" b="0"/>
+      </a:fillRef>
+      <a:effectRef idx="0">
+        <a:scrgbClr r="0" g="0" b="0"/>
+      </a:effectRef>
+      <a:fontRef idx="minor"/>
+    </dgm:style>
+  </dgm:styleLbl>
+  <dgm:styleLbl name="sibTrans2D1">
+    <dgm:scene3d>
+      <a:camera prst="orthographicFront"/>
+      <a:lightRig rig="threePt" dir="t"/>
+    </dgm:scene3d>
+    <dgm:sp3d/>
+    <dgm:txPr/>
+    <dgm:style>
+      <a:lnRef idx="0">
+        <a:scrgbClr r="0" g="0" b="0"/>
+      </a:lnRef>
+      <a:fillRef idx="1">
+        <a:scrgbClr r="0" g="0" b="0"/>
+      </a:fillRef>
+      <a:effectRef idx="0">
+        <a:scrgbClr r="0" g="0" b="0"/>
+      </a:effectRef>
+      <a:fontRef idx="minor">
+        <a:schemeClr val="lt1"/>
+      </a:fontRef>
+    </dgm:style>
+  </dgm:styleLbl>
+  <dgm:styleLbl name="fgSibTrans2D1">
+    <dgm:scene3d>
+      <a:camera prst="orthographicFront"/>
+      <a:lightRig rig="threePt" dir="t"/>
+    </dgm:scene3d>
+    <dgm:sp3d/>
+    <dgm:txPr/>
+    <dgm:style>
+      <a:lnRef idx="0">
+        <a:scrgbClr r="0" g="0" b="0"/>
+      </a:lnRef>
+      <a:fillRef idx="1">
+        <a:scrgbClr r="0" g="0" b="0"/>
+      </a:fillRef>
+      <a:effectRef idx="0">
+        <a:scrgbClr r="0" g="0" b="0"/>
+      </a:effectRef>
+      <a:fontRef idx="minor">
+        <a:schemeClr val="lt1"/>
+      </a:fontRef>
+    </dgm:style>
+  </dgm:styleLbl>
+  <dgm:styleLbl name="bgSibTrans2D1">
+    <dgm:scene3d>
+      <a:camera prst="orthographicFront"/>
+      <a:lightRig rig="threePt" dir="t"/>
+    </dgm:scene3d>
+    <dgm:sp3d/>
+    <dgm:txPr/>
+    <dgm:style>
+      <a:lnRef idx="0">
+        <a:scrgbClr r="0" g="0" b="0"/>
+      </a:lnRef>
+      <a:fillRef idx="1">
+        <a:scrgbClr r="0" g="0" b="0"/>
+      </a:fillRef>
+      <a:effectRef idx="0">
+        <a:scrgbClr r="0" g="0" b="0"/>
+      </a:effectRef>
+      <a:fontRef idx="minor">
+        <a:schemeClr val="lt1"/>
+      </a:fontRef>
+    </dgm:style>
+  </dgm:styleLbl>
+  <dgm:styleLbl name="sibTrans1D1">
+    <dgm:scene3d>
+      <a:camera prst="orthographicFront"/>
+      <a:lightRig rig="threePt" dir="t"/>
+    </dgm:scene3d>
+    <dgm:sp3d/>
+    <dgm:txPr/>
+    <dgm:style>
+      <a:lnRef idx="1">
+        <a:scrgbClr r="0" g="0" b="0"/>
+      </a:lnRef>
+      <a:fillRef idx="0">
+        <a:scrgbClr r="0" g="0" b="0"/>
+      </a:fillRef>
+      <a:effectRef idx="0">
+        <a:scrgbClr r="0" g="0" b="0"/>
+      </a:effectRef>
+      <a:fontRef idx="minor"/>
+    </dgm:style>
+  </dgm:styleLbl>
+  <dgm:styleLbl name="callout">
+    <dgm:scene3d>
+      <a:camera prst="orthographicFront"/>
+      <a:lightRig rig="threePt" dir="t"/>
+    </dgm:scene3d>
+    <dgm:sp3d/>
+    <dgm:txPr/>
+    <dgm:style>
+      <a:lnRef idx="2">
+        <a:scrgbClr r="0" g="0" b="0"/>
+      </a:lnRef>
+      <a:fillRef idx="1">
+        <a:scrgbClr r="0" g="0" b="0"/>
+      </a:fillRef>
+      <a:effectRef idx="0">
+        <a:scrgbClr r="0" g="0" b="0"/>
+      </a:effectRef>
+      <a:fontRef idx="minor"/>
+    </dgm:style>
+  </dgm:styleLbl>
+  <dgm:styleLbl name="asst0">
+    <dgm:scene3d>
+      <a:camera prst="orthographicFront"/>
+      <a:lightRig rig="threePt" dir="t"/>
+    </dgm:scene3d>
+    <dgm:sp3d/>
+    <dgm:txPr/>
+    <dgm:style>
+      <a:lnRef idx="2">
+        <a:scrgbClr r="0" g="0" b="0"/>
+      </a:lnRef>
+      <a:fillRef idx="1">
+        <a:scrgbClr r="0" g="0" b="0"/>
+      </a:fillRef>
+      <a:effectRef idx="0">
+        <a:scrgbClr r="0" g="0" b="0"/>
+      </a:effectRef>
+      <a:fontRef idx="minor">
+        <a:schemeClr val="lt1"/>
+      </a:fontRef>
+    </dgm:style>
+  </dgm:styleLbl>
+  <dgm:styleLbl name="asst1">
+    <dgm:scene3d>
+      <a:camera prst="orthographicFront"/>
+      <a:lightRig rig="threePt" dir="t"/>
+    </dgm:scene3d>
+    <dgm:sp3d/>
+    <dgm:txPr/>
+    <dgm:style>
+      <a:lnRef idx="2">
+        <a:scrgbClr r="0" g="0" b="0"/>
+      </a:lnRef>
+      <a:fillRef idx="1">
+        <a:scrgbClr r="0" g="0" b="0"/>
+      </a:fillRef>
+      <a:effectRef idx="0">
+        <a:scrgbClr r="0" g="0" b="0"/>
+      </a:effectRef>
+      <a:fontRef idx="minor">
+        <a:schemeClr val="lt1"/>
+      </a:fontRef>
+    </dgm:style>
+  </dgm:styleLbl>
+  <dgm:styleLbl name="asst2">
+    <dgm:scene3d>
+      <a:camera prst="orthographicFront"/>
+      <a:lightRig rig="threePt" dir="t"/>
+    </dgm:scene3d>
+    <dgm:sp3d/>
+    <dgm:txPr/>
+    <dgm:style>
+      <a:lnRef idx="2">
+        <a:scrgbClr r="0" g="0" b="0"/>
+      </a:lnRef>
+      <a:fillRef idx="1">
+        <a:scrgbClr r="0" g="0" b="0"/>
+      </a:fillRef>
+      <a:effectRef idx="0">
+        <a:scrgbClr r="0" g="0" b="0"/>
+      </a:effectRef>
+      <a:fontRef idx="minor">
+        <a:schemeClr val="lt1"/>
+      </a:fontRef>
+    </dgm:style>
+  </dgm:styleLbl>
+  <dgm:styleLbl name="asst3">
+    <dgm:scene3d>
+      <a:camera prst="orthographicFront"/>
+      <a:lightRig rig="threePt" dir="t"/>
+    </dgm:scene3d>
+    <dgm:sp3d/>
+    <dgm:txPr/>
+    <dgm:style>
+      <a:lnRef idx="2">
+        <a:scrgbClr r="0" g="0" b="0"/>
+      </a:lnRef>
+      <a:fillRef idx="1">
+        <a:scrgbClr r="0" g="0" b="0"/>
+      </a:fillRef>
+      <a:effectRef idx="0">
+        <a:scrgbClr r="0" g="0" b="0"/>
+      </a:effectRef>
+      <a:fontRef idx="minor">
+        <a:schemeClr val="lt1"/>
+      </a:fontRef>
+    </dgm:style>
+  </dgm:styleLbl>
+  <dgm:styleLbl name="asst4">
+    <dgm:scene3d>
+      <a:camera prst="orthographicFront"/>
+      <a:lightRig rig="threePt" dir="t"/>
+    </dgm:scene3d>
+    <dgm:sp3d/>
+    <dgm:txPr/>
+    <dgm:style>
+      <a:lnRef idx="2">
+        <a:scrgbClr r="0" g="0" b="0"/>
+      </a:lnRef>
+      <a:fillRef idx="1">
+        <a:scrgbClr r="0" g="0" b="0"/>
+      </a:fillRef>
+      <a:effectRef idx="0">
+        <a:scrgbClr r="0" g="0" b="0"/>
+      </a:effectRef>
+      <a:fontRef idx="minor">
+        <a:schemeClr val="lt1"/>
+      </a:fontRef>
+    </dgm:style>
+  </dgm:styleLbl>
+  <dgm:styleLbl name="parChTrans2D1">
+    <dgm:scene3d>
+      <a:camera prst="orthographicFront"/>
+      <a:lightRig rig="threePt" dir="t"/>
+    </dgm:scene3d>
+    <dgm:sp3d/>
+    <dgm:txPr/>
+    <dgm:style>
+      <a:lnRef idx="2">
+        <a:scrgbClr r="0" g="0" b="0"/>
+      </a:lnRef>
+      <a:fillRef idx="1">
+        <a:scrgbClr r="0" g="0" b="0"/>
+      </a:fillRef>
+      <a:effectRef idx="0">
+        <a:scrgbClr r="0" g="0" b="0"/>
+      </a:effectRef>
+      <a:fontRef idx="minor">
+        <a:schemeClr val="lt1"/>
+      </a:fontRef>
+    </dgm:style>
+  </dgm:styleLbl>
+  <dgm:styleLbl name="parChTrans2D2">
+    <dgm:scene3d>
+      <a:camera prst="orthographicFront"/>
+      <a:lightRig rig="threePt" dir="t"/>
+    </dgm:scene3d>
+    <dgm:sp3d/>
+    <dgm:txPr/>
+    <dgm:style>
+      <a:lnRef idx="2">
+        <a:scrgbClr r="0" g="0" b="0"/>
+      </a:lnRef>
+      <a:fillRef idx="1">
+        <a:scrgbClr r="0" g="0" b="0"/>
+      </a:fillRef>
+      <a:effectRef idx="0">
+        <a:scrgbClr r="0" g="0" b="0"/>
+      </a:effectRef>
+      <a:fontRef idx="minor">
+        <a:schemeClr val="lt1"/>
+      </a:fontRef>
+    </dgm:style>
+  </dgm:styleLbl>
+  <dgm:styleLbl name="parChTrans2D3">
+    <dgm:scene3d>
+      <a:camera prst="orthographicFront"/>
+      <a:lightRig rig="threePt" dir="t"/>
+    </dgm:scene3d>
+    <dgm:sp3d/>
+    <dgm:txPr/>
+    <dgm:style>
+      <a:lnRef idx="2">
+        <a:scrgbClr r="0" g="0" b="0"/>
+      </a:lnRef>
+      <a:fillRef idx="1">
+        <a:scrgbClr r="0" g="0" b="0"/>
+      </a:fillRef>
+      <a:effectRef idx="0">
+        <a:scrgbClr r="0" g="0" b="0"/>
+      </a:effectRef>
+      <a:fontRef idx="minor">
+        <a:schemeClr val="lt1"/>
+      </a:fontRef>
+    </dgm:style>
+  </dgm:styleLbl>
+  <dgm:styleLbl name="parChTrans2D4">
+    <dgm:scene3d>
+      <a:camera prst="orthographicFront"/>
+      <a:lightRig rig="threePt" dir="t"/>
+    </dgm:scene3d>
+    <dgm:sp3d/>
+    <dgm:txPr/>
+    <dgm:style>
+      <a:lnRef idx="2">
+        <a:scrgbClr r="0" g="0" b="0"/>
+      </a:lnRef>
+      <a:fillRef idx="1">
+        <a:scrgbClr r="0" g="0" b="0"/>
+      </a:fillRef>
+      <a:effectRef idx="0">
+        <a:scrgbClr r="0" g="0" b="0"/>
+      </a:effectRef>
+      <a:fontRef idx="minor">
+        <a:schemeClr val="lt1"/>
+      </a:fontRef>
+    </dgm:style>
+  </dgm:styleLbl>
+  <dgm:styleLbl name="parChTrans1D1">
+    <dgm:scene3d>
+      <a:camera prst="orthographicFront"/>
+      <a:lightRig rig="threePt" dir="t"/>
+    </dgm:scene3d>
+    <dgm:sp3d/>
+    <dgm:txPr/>
+    <dgm:style>
+      <a:lnRef idx="2">
+        <a:scrgbClr r="0" g="0" b="0"/>
+      </a:lnRef>
+      <a:fillRef idx="0">
+        <a:scrgbClr r="0" g="0" b="0"/>
+      </a:fillRef>
+      <a:effectRef idx="0">
+        <a:scrgbClr r="0" g="0" b="0"/>
+      </a:effectRef>
+      <a:fontRef idx="minor"/>
+    </dgm:style>
+  </dgm:styleLbl>
+  <dgm:styleLbl name="parChTrans1D2">
+    <dgm:scene3d>
+      <a:camera prst="orthographicFront"/>
+      <a:lightRig rig="threePt" dir="t"/>
+    </dgm:scene3d>
+    <dgm:sp3d/>
+    <dgm:txPr/>
+    <dgm:style>
+      <a:lnRef idx="2">
+        <a:scrgbClr r="0" g="0" b="0"/>
+      </a:lnRef>
+      <a:fillRef idx="0">
+        <a:scrgbClr r="0" g="0" b="0"/>
+      </a:fillRef>
+      <a:effectRef idx="0">
+        <a:scrgbClr r="0" g="0" b="0"/>
+      </a:effectRef>
+      <a:fontRef idx="minor"/>
+    </dgm:style>
+  </dgm:styleLbl>
+  <dgm:styleLbl name="parChTrans1D3">
+    <dgm:scene3d>
+      <a:camera prst="orthographicFront"/>
+      <a:lightRig rig="threePt" dir="t"/>
+    </dgm:scene3d>
+    <dgm:sp3d/>
+    <dgm:txPr/>
+    <dgm:style>
+      <a:lnRef idx="2">
+        <a:scrgbClr r="0" g="0" b="0"/>
+      </a:lnRef>
+      <a:fillRef idx="0">
+        <a:scrgbClr r="0" g="0" b="0"/>
+      </a:fillRef>
+      <a:effectRef idx="0">
+        <a:scrgbClr r="0" g="0" b="0"/>
+      </a:effectRef>
+      <a:fontRef idx="minor"/>
+    </dgm:style>
+  </dgm:styleLbl>
+  <dgm:styleLbl name="parChTrans1D4">
+    <dgm:scene3d>
+      <a:camera prst="orthographicFront"/>
+      <a:lightRig rig="threePt" dir="t"/>
+    </dgm:scene3d>
+    <dgm:sp3d/>
+    <dgm:txPr/>
+    <dgm:style>
+      <a:lnRef idx="2">
+        <a:scrgbClr r="0" g="0" b="0"/>
+      </a:lnRef>
+      <a:fillRef idx="0">
+        <a:scrgbClr r="0" g="0" b="0"/>
+      </a:fillRef>
+      <a:effectRef idx="0">
+        <a:scrgbClr r="0" g="0" b="0"/>
+      </a:effectRef>
+      <a:fontRef idx="minor"/>
+    </dgm:style>
+  </dgm:styleLbl>
+  <dgm:styleLbl name="fgAcc1">
+    <dgm:scene3d>
+      <a:camera prst="orthographicFront"/>
+      <a:lightRig rig="threePt" dir="t"/>
+    </dgm:scene3d>
+    <dgm:sp3d/>
+    <dgm:txPr/>
+    <dgm:style>
+      <a:lnRef idx="2">
+        <a:scrgbClr r="0" g="0" b="0"/>
+      </a:lnRef>
+      <a:fillRef idx="1">
+        <a:scrgbClr r="0" g="0" b="0"/>
+      </a:fillRef>
+      <a:effectRef idx="0">
+        <a:scrgbClr r="0" g="0" b="0"/>
+      </a:effectRef>
+      <a:fontRef idx="minor"/>
+    </dgm:style>
+  </dgm:styleLbl>
+  <dgm:styleLbl name="conFgAcc1">
+    <dgm:scene3d>
+      <a:camera prst="orthographicFront"/>
+      <a:lightRig rig="threePt" dir="t"/>
+    </dgm:scene3d>
+    <dgm:sp3d/>
+    <dgm:txPr/>
+    <dgm:style>
+      <a:lnRef idx="2">
+        <a:scrgbClr r="0" g="0" b="0"/>
+      </a:lnRef>
+      <a:fillRef idx="1">
+        <a:scrgbClr r="0" g="0" b="0"/>
+      </a:fillRef>
+      <a:effectRef idx="0">
+        <a:scrgbClr r="0" g="0" b="0"/>
+      </a:effectRef>
+      <a:fontRef idx="minor"/>
+    </dgm:style>
+  </dgm:styleLbl>
+  <dgm:styleLbl name="alignAcc1">
+    <dgm:scene3d>
+      <a:camera prst="orthographicFront"/>
+      <a:lightRig rig="threePt" dir="t"/>
+    </dgm:scene3d>
+    <dgm:sp3d/>
+    <dgm:txPr/>
+    <dgm:style>
+      <a:lnRef idx="2">
+        <a:scrgbClr r="0" g="0" b="0"/>
+      </a:lnRef>
+      <a:fillRef idx="1">
+        <a:scrgbClr r="0" g="0" b="0"/>
+      </a:fillRef>
+      <a:effectRef idx="0">
+        <a:scrgbClr r="0" g="0" b="0"/>
+      </a:effectRef>
+      <a:fontRef idx="minor"/>
+    </dgm:style>
+  </dgm:styleLbl>
+  <dgm:styleLbl name="trAlignAcc1">
+    <dgm:scene3d>
+      <a:camera prst="orthographicFront"/>
+      <a:lightRig rig="threePt" dir="t"/>
+    </dgm:scene3d>
+    <dgm:sp3d/>
+    <dgm:txPr/>
+    <dgm:style>
+      <a:lnRef idx="1">
+        <a:scrgbClr r="0" g="0" b="0"/>
+      </a:lnRef>
+      <a:fillRef idx="1">
+        <a:scrgbClr r="0" g="0" b="0"/>
+      </a:fillRef>
+      <a:effectRef idx="0">
+        <a:scrgbClr r="0" g="0" b="0"/>
+      </a:effectRef>
+      <a:fontRef idx="minor"/>
+    </dgm:style>
+  </dgm:styleLbl>
+  <dgm:styleLbl name="bgAcc1">
+    <dgm:scene3d>
+      <a:camera prst="orthographicFront"/>
+      <a:lightRig rig="threePt" dir="t"/>
+    </dgm:scene3d>
+    <dgm:sp3d/>
+    <dgm:txPr/>
+    <dgm:style>
+      <a:lnRef idx="2">
+        <a:scrgbClr r="0" g="0" b="0"/>
+      </a:lnRef>
+      <a:fillRef idx="1">
+        <a:scrgbClr r="0" g="0" b="0"/>
+      </a:fillRef>
+      <a:effectRef idx="0">
+        <a:scrgbClr r="0" g="0" b="0"/>
+      </a:effectRef>
+      <a:fontRef idx="minor"/>
+    </dgm:style>
+  </dgm:styleLbl>
+  <dgm:styleLbl name="solidFgAcc1">
+    <dgm:scene3d>
+      <a:camera prst="orthographicFront"/>
+      <a:lightRig rig="threePt" dir="t"/>
+    </dgm:scene3d>
+    <dgm:sp3d/>
+    <dgm:txPr/>
+    <dgm:style>
+      <a:lnRef idx="2">
+        <a:scrgbClr r="0" g="0" b="0"/>
+      </a:lnRef>
+      <a:fillRef idx="1">
+        <a:scrgbClr r="0" g="0" b="0"/>
+      </a:fillRef>
+      <a:effectRef idx="0">
+        <a:scrgbClr r="0" g="0" b="0"/>
+      </a:effectRef>
+      <a:fontRef idx="minor"/>
+    </dgm:style>
+  </dgm:styleLbl>
+  <dgm:styleLbl name="solidAlignAcc1">
+    <dgm:scene3d>
+      <a:camera prst="orthographicFront"/>
+      <a:lightRig rig="threePt" dir="t"/>
+    </dgm:scene3d>
+    <dgm:sp3d/>
+    <dgm:txPr/>
+    <dgm:style>
+      <a:lnRef idx="2">
+        <a:scrgbClr r="0" g="0" b="0"/>
+      </a:lnRef>
+      <a:fillRef idx="1">
+        <a:scrgbClr r="0" g="0" b="0"/>
+      </a:fillRef>
+      <a:effectRef idx="0">
+        <a:scrgbClr r="0" g="0" b="0"/>
+      </a:effectRef>
+      <a:fontRef idx="minor"/>
+    </dgm:style>
+  </dgm:styleLbl>
+  <dgm:styleLbl name="solidBgAcc1">
+    <dgm:scene3d>
+      <a:camera prst="orthographicFront"/>
+      <a:lightRig rig="threePt" dir="t"/>
+    </dgm:scene3d>
+    <dgm:sp3d/>
+    <dgm:txPr/>
+    <dgm:style>
+      <a:lnRef idx="2">
+        <a:scrgbClr r="0" g="0" b="0"/>
+      </a:lnRef>
+      <a:fillRef idx="1">
+        <a:scrgbClr r="0" g="0" b="0"/>
+      </a:fillRef>
+      <a:effectRef idx="0">
+        <a:scrgbClr r="0" g="0" b="0"/>
+      </a:effectRef>
+      <a:fontRef idx="minor"/>
+    </dgm:style>
+  </dgm:styleLbl>
+  <dgm:styleLbl name="fgAccFollowNode1">
+    <dgm:scene3d>
+      <a:camera prst="orthographicFront"/>
+      <a:lightRig rig="threePt" dir="t"/>
+    </dgm:scene3d>
+    <dgm:sp3d/>
+    <dgm:txPr/>
+    <dgm:style>
+      <a:lnRef idx="2">
+        <a:scrgbClr r="0" g="0" b="0"/>
+      </a:lnRef>
+      <a:fillRef idx="1">
+        <a:scrgbClr r="0" g="0" b="0"/>
+      </a:fillRef>
+      <a:effectRef idx="0">
+        <a:scrgbClr r="0" g="0" b="0"/>
+      </a:effectRef>
+      <a:fontRef idx="minor"/>
+    </dgm:style>
+  </dgm:styleLbl>
+  <dgm:styleLbl name="alignAccFollowNode1">
+    <dgm:scene3d>
+      <a:camera prst="orthographicFront"/>
+      <a:lightRig rig="threePt" dir="t"/>
+    </dgm:scene3d>
+    <dgm:sp3d/>
+    <dgm:txPr/>
+    <dgm:style>
+      <a:lnRef idx="2">
+        <a:scrgbClr r="0" g="0" b="0"/>
+      </a:lnRef>
+      <a:fillRef idx="1">
+        <a:scrgbClr r="0" g="0" b="0"/>
+      </a:fillRef>
+      <a:effectRef idx="0">
+        <a:scrgbClr r="0" g="0" b="0"/>
+      </a:effectRef>
+      <a:fontRef idx="minor"/>
+    </dgm:style>
+  </dgm:styleLbl>
+  <dgm:styleLbl name="bgAccFollowNode1">
+    <dgm:scene3d>
+      <a:camera prst="orthographicFront"/>
+      <a:lightRig rig="threePt" dir="t"/>
+    </dgm:scene3d>
+    <dgm:sp3d/>
+    <dgm:txPr/>
+    <dgm:style>
+      <a:lnRef idx="2">
+        <a:scrgbClr r="0" g="0" b="0"/>
+      </a:lnRef>
+      <a:fillRef idx="1">
+        <a:scrgbClr r="0" g="0" b="0"/>
+      </a:fillRef>
+      <a:effectRef idx="0">
+        <a:scrgbClr r="0" g="0" b="0"/>
+      </a:effectRef>
+      <a:fontRef idx="minor"/>
+    </dgm:style>
+  </dgm:styleLbl>
+  <dgm:styleLbl name="fgAcc0">
+    <dgm:scene3d>
+      <a:camera prst="orthographicFront"/>
+      <a:lightRig rig="threePt" dir="t"/>
+    </dgm:scene3d>
+    <dgm:sp3d/>
+    <dgm:txPr/>
+    <dgm:style>
+      <a:lnRef idx="2">
+        <a:scrgbClr r="0" g="0" b="0"/>
+      </a:lnRef>
+      <a:fillRef idx="1">
+        <a:scrgbClr r="0" g="0" b="0"/>
+      </a:fillRef>
+      <a:effectRef idx="0">
+        <a:scrgbClr r="0" g="0" b="0"/>
+      </a:effectRef>
+      <a:fontRef idx="minor"/>
+    </dgm:style>
+  </dgm:styleLbl>
+  <dgm:styleLbl name="fgAcc2">
+    <dgm:scene3d>
+      <a:camera prst="orthographicFront"/>
+      <a:lightRig rig="threePt" dir="t"/>
+    </dgm:scene3d>
+    <dgm:sp3d/>
+    <dgm:txPr/>
+    <dgm:style>
+      <a:lnRef idx="2">
+        <a:scrgbClr r="0" g="0" b="0"/>
+      </a:lnRef>
+      <a:fillRef idx="1">
+        <a:scrgbClr r="0" g="0" b="0"/>
+      </a:fillRef>
+      <a:effectRef idx="0">
+        <a:scrgbClr r="0" g="0" b="0"/>
+      </a:effectRef>
+      <a:fontRef idx="minor"/>
+    </dgm:style>
+  </dgm:styleLbl>
+  <dgm:styleLbl name="fgAcc3">
+    <dgm:scene3d>
+      <a:camera prst="orthographicFront"/>
+      <a:lightRig rig="threePt" dir="t"/>
+    </dgm:scene3d>
+    <dgm:sp3d/>
+    <dgm:txPr/>
+    <dgm:style>
+      <a:lnRef idx="2">
+        <a:scrgbClr r="0" g="0" b="0"/>
+      </a:lnRef>
+      <a:fillRef idx="1">
+        <a:scrgbClr r="0" g="0" b="0"/>
+      </a:fillRef>
+      <a:effectRef idx="0">
+        <a:scrgbClr r="0" g="0" b="0"/>
+      </a:effectRef>
+      <a:fontRef idx="minor"/>
+    </dgm:style>
+  </dgm:styleLbl>
+  <dgm:styleLbl name="fgAcc4">
+    <dgm:scene3d>
+      <a:camera prst="orthographicFront"/>
+      <a:lightRig rig="threePt" dir="t"/>
+    </dgm:scene3d>
+    <dgm:sp3d/>
+    <dgm:txPr/>
+    <dgm:style>
+      <a:lnRef idx="2">
+        <a:scrgbClr r="0" g="0" b="0"/>
+      </a:lnRef>
+      <a:fillRef idx="1">
+        <a:scrgbClr r="0" g="0" b="0"/>
+      </a:fillRef>
+      <a:effectRef idx="0">
+        <a:scrgbClr r="0" g="0" b="0"/>
+      </a:effectRef>
+      <a:fontRef idx="minor"/>
+    </dgm:style>
+  </dgm:styleLbl>
+  <dgm:styleLbl name="bgShp">
+    <dgm:scene3d>
+      <a:camera prst="orthographicFront"/>
+      <a:lightRig rig="threePt" dir="t"/>
+    </dgm:scene3d>
+    <dgm:sp3d/>
+    <dgm:txPr/>
+    <dgm:style>
+      <a:lnRef idx="0">
+        <a:scrgbClr r="0" g="0" b="0"/>
+      </a:lnRef>
+      <a:fillRef idx="1">
+        <a:scrgbClr r="0" g="0" b="0"/>
+      </a:fillRef>
+      <a:effectRef idx="0">
+        <a:scrgbClr r="0" g="0" b="0"/>
+      </a:effectRef>
+      <a:fontRef idx="minor"/>
+    </dgm:style>
+  </dgm:styleLbl>
+  <dgm:styleLbl name="dkBgShp">
+    <dgm:scene3d>
+      <a:camera prst="orthographicFront"/>
+      <a:lightRig rig="threePt" dir="t"/>
+    </dgm:scene3d>
+    <dgm:sp3d/>
+    <dgm:txPr/>
+    <dgm:style>
+      <a:lnRef idx="0">
+        <a:scrgbClr r="0" g="0" b="0"/>
+      </a:lnRef>
+      <a:fillRef idx="1">
+        <a:scrgbClr r="0" g="0" b="0"/>
+      </a:fillRef>
+      <a:effectRef idx="0">
+        <a:scrgbClr r="0" g="0" b="0"/>
+      </a:effectRef>
+      <a:fontRef idx="minor"/>
+    </dgm:style>
+  </dgm:styleLbl>
+  <dgm:styleLbl name="trBgShp">
+    <dgm:scene3d>
+      <a:camera prst="orthographicFront"/>
+      <a:lightRig rig="threePt" dir="t"/>
+    </dgm:scene3d>
+    <dgm:sp3d/>
+    <dgm:txPr/>
+    <dgm:style>
+      <a:lnRef idx="0">
+        <a:scrgbClr r="0" g="0" b="0"/>
+      </a:lnRef>
+      <a:fillRef idx="1">
+        <a:scrgbClr r="0" g="0" b="0"/>
+      </a:fillRef>
+      <a:effectRef idx="0">
+        <a:scrgbClr r="0" g="0" b="0"/>
+      </a:effectRef>
+      <a:fontRef idx="minor"/>
+    </dgm:style>
+  </dgm:styleLbl>
+  <dgm:styleLbl name="fgShp">
+    <dgm:scene3d>
+      <a:camera prst="orthographicFront"/>
+      <a:lightRig rig="threePt" dir="t"/>
+    </dgm:scene3d>
+    <dgm:sp3d/>
+    <dgm:txPr/>
+    <dgm:style>
+      <a:lnRef idx="2">
+        <a:scrgbClr r="0" g="0" b="0"/>
+      </a:lnRef>
+      <a:fillRef idx="1">
+        <a:scrgbClr r="0" g="0" b="0"/>
+      </a:fillRef>
+      <a:effectRef idx="0">
+        <a:scrgbClr r="0" g="0" b="0"/>
+      </a:effectRef>
+      <a:fontRef idx="minor"/>
+    </dgm:style>
+  </dgm:styleLbl>
+  <dgm:styleLbl name="revTx">
+    <dgm:scene3d>
+      <a:camera prst="orthographicFront"/>
+      <a:lightRig rig="threePt" dir="t"/>
+    </dgm:scene3d>
+    <dgm:sp3d/>
+    <dgm:txPr/>
+    <dgm:style>
+      <a:lnRef idx="0">
+        <a:scrgbClr r="0" g="0" b="0"/>
+      </a:lnRef>
+      <a:fillRef idx="0">
+        <a:scrgbClr r="0" g="0" b="0"/>
+      </a:fillRef>
+      <a:effectRef idx="0">
+        <a:scrgbClr r="0" g="0" b="0"/>
+      </a:effectRef>
+      <a:fontRef idx="minor"/>
+    </dgm:style>
+  </dgm:styleLbl>
+</dgm:styleDef>
+</file>
+
+<file path=ppt/diagrams/quickStyle4.xml><?xml version="1.0" encoding="utf-8"?>
 <dgm:styleDef xmlns:dgm="http://schemas.openxmlformats.org/drawingml/2006/diagram" xmlns:a="http://schemas.openxmlformats.org/drawingml/2006/main" uniqueId="urn:microsoft.com/office/officeart/2005/8/quickstyle/simple1">
   <dgm:title val=""/>
   <dgm:desc val=""/>
@@ -8414,7 +11628,7 @@
           <a:p>
             <a:fld id="{88D38747-4367-4BD2-8D51-C97E202738E2}" type="datetime1">
               <a:rPr lang="en-US" smtClean="0"/>
-              <a:t>10/7/2019</a:t>
+              <a:t>10/20/2019</a:t>
             </a:fld>
             <a:endParaRPr lang="en-US" dirty="0"/>
           </a:p>
@@ -8719,7 +11933,7 @@
           <a:p>
             <a:fld id="{11F1B079-7EF0-44EE-B798-BCC497C9F3B2}" type="datetime1">
               <a:rPr lang="en-US" smtClean="0"/>
-              <a:t>10/7/2019</a:t>
+              <a:t>10/20/2019</a:t>
             </a:fld>
             <a:endParaRPr lang="en-US" dirty="0"/>
           </a:p>
@@ -8913,7 +12127,7 @@
           <a:p>
             <a:fld id="{28FF70A8-1D13-4657-95F0-A9EA54967B8D}" type="datetime1">
               <a:rPr lang="en-US" smtClean="0"/>
-              <a:t>10/7/2019</a:t>
+              <a:t>10/20/2019</a:t>
             </a:fld>
             <a:endParaRPr lang="en-US" dirty="0"/>
           </a:p>
@@ -9176,7 +12390,7 @@
           <a:p>
             <a:fld id="{21EB90AC-71BD-4C7F-8ACA-7B3F18292E63}" type="datetime1">
               <a:rPr lang="en-US" smtClean="0"/>
-              <a:t>10/7/2019</a:t>
+              <a:t>10/20/2019</a:t>
             </a:fld>
             <a:endParaRPr lang="en-US" dirty="0"/>
           </a:p>
@@ -9612,7 +12826,7 @@
           <a:p>
             <a:fld id="{4E6EFC2C-8905-46F0-B443-CE905B76BA01}" type="datetime1">
               <a:rPr lang="en-US" smtClean="0"/>
-              <a:t>10/7/2019</a:t>
+              <a:t>10/20/2019</a:t>
             </a:fld>
             <a:endParaRPr lang="en-US" dirty="0"/>
           </a:p>
@@ -10149,7 +13363,7 @@
           <a:p>
             <a:fld id="{D9079DC3-C9B5-499E-9140-0DC28B7074E2}" type="datetime1">
               <a:rPr lang="en-US" smtClean="0"/>
-              <a:t>10/7/2019</a:t>
+              <a:t>10/20/2019</a:t>
             </a:fld>
             <a:endParaRPr lang="en-US" dirty="0"/>
           </a:p>
@@ -11031,7 +14245,7 @@
           <a:p>
             <a:fld id="{30BB33EA-E472-4D22-9C03-A9C14AA21CED}" type="datetime1">
               <a:rPr lang="en-US" smtClean="0"/>
-              <a:t>10/7/2019</a:t>
+              <a:t>10/20/2019</a:t>
             </a:fld>
             <a:endParaRPr lang="en-US" dirty="0"/>
           </a:p>
@@ -11201,7 +14415,7 @@
           <a:p>
             <a:fld id="{217E833E-1B6D-415F-AD29-75AE8C43BD0D}" type="datetime1">
               <a:rPr lang="en-US" smtClean="0"/>
-              <a:t>10/7/2019</a:t>
+              <a:t>10/20/2019</a:t>
             </a:fld>
             <a:endParaRPr lang="en-US" dirty="0"/>
           </a:p>
@@ -11385,7 +14599,7 @@
           <a:p>
             <a:fld id="{8452596F-08A7-4B70-989A-F2B1CF31E66B}" type="datetime1">
               <a:rPr lang="en-US" smtClean="0"/>
-              <a:t>10/7/2019</a:t>
+              <a:t>10/20/2019</a:t>
             </a:fld>
             <a:endParaRPr lang="en-US" dirty="0"/>
           </a:p>
@@ -11555,7 +14769,7 @@
           <a:p>
             <a:fld id="{73C55A3C-5767-4844-A0A3-83778C2E5409}" type="datetime1">
               <a:rPr lang="en-US" smtClean="0"/>
-              <a:t>10/7/2019</a:t>
+              <a:t>10/20/2019</a:t>
             </a:fld>
             <a:endParaRPr lang="en-US" dirty="0"/>
           </a:p>
@@ -11799,7 +15013,7 @@
           <a:p>
             <a:fld id="{CAE507A8-A5CF-4D38-AB86-7EDDA87A85D4}" type="datetime1">
               <a:rPr lang="en-US" smtClean="0"/>
-              <a:t>10/7/2019</a:t>
+              <a:t>10/20/2019</a:t>
             </a:fld>
             <a:endParaRPr lang="en-US" dirty="0"/>
           </a:p>
@@ -12041,7 +15255,7 @@
           <a:p>
             <a:fld id="{BDFCD27C-8599-43EF-BA1D-14DDC1946E06}" type="datetime1">
               <a:rPr lang="en-US" smtClean="0"/>
-              <a:t>10/7/2019</a:t>
+              <a:t>10/20/2019</a:t>
             </a:fld>
             <a:endParaRPr lang="en-US" dirty="0"/>
           </a:p>
@@ -12522,7 +15736,7 @@
           <a:p>
             <a:fld id="{49343D99-809A-49C0-96E5-4250D0B498EE}" type="datetime1">
               <a:rPr lang="en-US" smtClean="0"/>
-              <a:t>10/7/2019</a:t>
+              <a:t>10/20/2019</a:t>
             </a:fld>
             <a:endParaRPr lang="en-US" dirty="0"/>
           </a:p>
@@ -12640,7 +15854,7 @@
           <a:p>
             <a:fld id="{A143DE9B-B678-4EFB-BB7D-A4370204A0B0}" type="datetime1">
               <a:rPr lang="en-US" smtClean="0"/>
-              <a:t>10/7/2019</a:t>
+              <a:t>10/20/2019</a:t>
             </a:fld>
             <a:endParaRPr lang="en-US" dirty="0"/>
           </a:p>
@@ -12735,7 +15949,7 @@
           <a:p>
             <a:fld id="{E68812DA-F765-4142-A6A3-A8ED7235E082}" type="datetime1">
               <a:rPr lang="en-US" smtClean="0"/>
-              <a:t>10/7/2019</a:t>
+              <a:t>10/20/2019</a:t>
             </a:fld>
             <a:endParaRPr lang="en-US" dirty="0"/>
           </a:p>
@@ -12990,7 +16204,7 @@
           <a:p>
             <a:fld id="{3E0277FD-7DE6-41D4-930D-AC99F5AFE54E}" type="datetime1">
               <a:rPr lang="en-US" smtClean="0"/>
-              <a:t>10/7/2019</a:t>
+              <a:t>10/20/2019</a:t>
             </a:fld>
             <a:endParaRPr lang="en-US" dirty="0"/>
           </a:p>
@@ -13297,7 +16511,7 @@
           <a:p>
             <a:fld id="{9EA15526-7079-4B7B-987C-1B5FAE11A0FF}" type="datetime1">
               <a:rPr lang="en-US" smtClean="0"/>
-              <a:t>10/7/2019</a:t>
+              <a:t>10/20/2019</a:t>
             </a:fld>
             <a:endParaRPr lang="en-US" dirty="0"/>
           </a:p>
@@ -13532,7 +16746,7 @@
           <a:p>
             <a:fld id="{073ED0CC-082F-4160-86E5-0D6041F12778}" type="datetime1">
               <a:rPr lang="en-US" smtClean="0"/>
-              <a:t>10/7/2019</a:t>
+              <a:t>10/20/2019</a:t>
             </a:fld>
             <a:endParaRPr lang="en-US" dirty="0"/>
           </a:p>
@@ -14616,7 +17830,7 @@
           </a:effectLst>
           <a:extLst>
             <a:ext uri="{91240B29-F687-4f45-9708-019B960494DF}">
-              <a14:hiddenLine xmlns="" xmlns:dgm="http://schemas.openxmlformats.org/drawingml/2006/diagram" xmlns:a16="http://schemas.microsoft.com/office/drawing/2014/main" xmlns:p14="http://schemas.microsoft.com/office/powerpoint/2010/main" xmlns:a14="http://schemas.microsoft.com/office/drawing/2010/main" w="9525">
+              <a14:hiddenLine xmlns:a14="http://schemas.microsoft.com/office/drawing/2010/main" xmlns:p14="http://schemas.microsoft.com/office/powerpoint/2010/main" xmlns:a16="http://schemas.microsoft.com/office/drawing/2014/main" xmlns:dgm="http://schemas.openxmlformats.org/drawingml/2006/diagram" xmlns="" w="9525">
                 <a:solidFill>
                   <a:srgbClr val="000000"/>
                 </a:solidFill>
@@ -15898,6 +19112,517 @@
 </p:sld>
 </file>
 
+<file path=ppt/slides/slide8.xml><?xml version="1.0" encoding="utf-8"?>
+<p:sld xmlns:a="http://schemas.openxmlformats.org/drawingml/2006/main" xmlns:r="http://schemas.openxmlformats.org/officeDocument/2006/relationships" xmlns:p="http://schemas.openxmlformats.org/presentationml/2006/main">
+  <p:cSld>
+    <p:bg>
+      <p:bgPr>
+        <a:blipFill rotWithShape="1">
+          <a:blip r:embed="rId2">
+            <a:duotone>
+              <a:schemeClr val="bg1">
+                <a:shade val="80000"/>
+                <a:lumMod val="80000"/>
+              </a:schemeClr>
+              <a:schemeClr val="bg1">
+                <a:tint val="98000"/>
+              </a:schemeClr>
+            </a:duotone>
+          </a:blip>
+          <a:stretch/>
+        </a:blipFill>
+        <a:effectLst/>
+      </p:bgPr>
+    </p:bg>
+    <p:spTree>
+      <p:nvGrpSpPr>
+        <p:cNvPr id="1" name=""/>
+        <p:cNvGrpSpPr/>
+        <p:nvPr/>
+      </p:nvGrpSpPr>
+      <p:grpSpPr>
+        <a:xfrm>
+          <a:off x="0" y="0"/>
+          <a:ext cx="0" cy="0"/>
+          <a:chOff x="0" y="0"/>
+          <a:chExt cx="0" cy="0"/>
+        </a:xfrm>
+      </p:grpSpPr>
+      <p:sp useBgFill="1">
+        <p:nvSpPr>
+          <p:cNvPr id="10" name="Rectangle 9">
+            <a:extLst>
+              <a:ext uri="{FF2B5EF4-FFF2-40B4-BE49-F238E27FC236}">
+                <a16:creationId xmlns:a16="http://schemas.microsoft.com/office/drawing/2014/main" id="{3A7F5D76-1FEC-470A-B476-70574A89C72A}"/>
+              </a:ext>
+              <a:ext uri="{C183D7F6-B498-43B3-948B-1728B52AA6E4}">
+                <adec:decorative xmlns:adec="http://schemas.microsoft.com/office/drawing/2017/decorative" val="1"/>
+              </a:ext>
+            </a:extLst>
+          </p:cNvPr>
+          <p:cNvSpPr>
+            <a:spLocks noGrp="1" noRot="1" noChangeAspect="1" noMove="1" noResize="1" noEditPoints="1" noAdjustHandles="1" noChangeArrowheads="1" noChangeShapeType="1" noTextEdit="1"/>
+          </p:cNvSpPr>
+          <p:nvPr>
+            <p:extLst>
+              <p:ext uri="{386F3935-93C4-4BCD-93E2-E3B085C9AB24}">
+                <p16:designElem xmlns:p16="http://schemas.microsoft.com/office/powerpoint/2015/main" val="1"/>
+              </p:ext>
+            </p:extLst>
+          </p:nvPr>
+        </p:nvSpPr>
+        <p:spPr>
+          <a:xfrm>
+            <a:off x="0" y="0"/>
+            <a:ext cx="12192000" cy="6858000"/>
+          </a:xfrm>
+          <a:prstGeom prst="rect">
+            <a:avLst/>
+          </a:prstGeom>
+          <a:ln>
+            <a:noFill/>
+          </a:ln>
+        </p:spPr>
+        <p:style>
+          <a:lnRef idx="2">
+            <a:schemeClr val="accent1">
+              <a:shade val="50000"/>
+            </a:schemeClr>
+          </a:lnRef>
+          <a:fillRef idx="1">
+            <a:schemeClr val="accent1"/>
+          </a:fillRef>
+          <a:effectRef idx="0">
+            <a:schemeClr val="accent1"/>
+          </a:effectRef>
+          <a:fontRef idx="minor">
+            <a:schemeClr val="lt1"/>
+          </a:fontRef>
+        </p:style>
+        <p:txBody>
+          <a:bodyPr rtlCol="0" anchor="ctr"/>
+          <a:lstStyle/>
+          <a:p>
+            <a:pPr algn="ctr"/>
+            <a:endParaRPr lang="en-US"/>
+          </a:p>
+        </p:txBody>
+      </p:sp>
+      <p:sp>
+        <p:nvSpPr>
+          <p:cNvPr id="2" name="Title 1">
+            <a:extLst>
+              <a:ext uri="{FF2B5EF4-FFF2-40B4-BE49-F238E27FC236}">
+                <a16:creationId xmlns:a16="http://schemas.microsoft.com/office/drawing/2014/main" id="{DD05084E-F603-4C33-812B-CCD5BE1C7708}"/>
+              </a:ext>
+            </a:extLst>
+          </p:cNvPr>
+          <p:cNvSpPr>
+            <a:spLocks noGrp="1"/>
+          </p:cNvSpPr>
+          <p:nvPr>
+            <p:ph type="title"/>
+          </p:nvPr>
+        </p:nvSpPr>
+        <p:spPr>
+          <a:xfrm>
+            <a:off x="913795" y="609600"/>
+            <a:ext cx="10353762" cy="1257300"/>
+          </a:xfrm>
+        </p:spPr>
+        <p:txBody>
+          <a:bodyPr>
+            <a:normAutofit/>
+          </a:bodyPr>
+          <a:lstStyle/>
+          <a:p>
+            <a:r>
+              <a:rPr lang="en-GB" sz="4000" b="1" err="1">
+                <a:effectLst/>
+              </a:rPr>
+              <a:t>Steganalysis</a:t>
+            </a:r>
+            <a:r>
+              <a:rPr lang="en-GB" sz="4000" b="1">
+                <a:effectLst/>
+              </a:rPr>
+              <a:t> - Visual Attack</a:t>
+            </a:r>
+            <a:endParaRPr lang="en-GB" sz="4000" b="1"/>
+          </a:p>
+        </p:txBody>
+      </p:sp>
+      <p:sp>
+        <p:nvSpPr>
+          <p:cNvPr id="3" name="Content Placeholder 2">
+            <a:extLst>
+              <a:ext uri="{FF2B5EF4-FFF2-40B4-BE49-F238E27FC236}">
+                <a16:creationId xmlns:a16="http://schemas.microsoft.com/office/drawing/2014/main" id="{16A9AFCD-5AE8-40EE-8084-0C5D5143D494}"/>
+              </a:ext>
+            </a:extLst>
+          </p:cNvPr>
+          <p:cNvSpPr>
+            <a:spLocks noGrp="1"/>
+          </p:cNvSpPr>
+          <p:nvPr>
+            <p:ph idx="1"/>
+          </p:nvPr>
+        </p:nvSpPr>
+        <p:spPr>
+          <a:xfrm>
+            <a:off x="913795" y="2132822"/>
+            <a:ext cx="5546272" cy="3658378"/>
+          </a:xfrm>
+        </p:spPr>
+        <p:txBody>
+          <a:bodyPr anchor="ctr">
+            <a:normAutofit/>
+          </a:bodyPr>
+          <a:lstStyle/>
+          <a:p>
+            <a:r>
+              <a:rPr lang="en-GB" dirty="0">
+                <a:effectLst/>
+              </a:rPr>
+              <a:t>E</a:t>
+            </a:r>
+            <a:r>
+              <a:rPr lang="en-GB" sz="2000" dirty="0">
+                <a:effectLst/>
+              </a:rPr>
+              <a:t>xamination of the suspicious image with the naked eye to determine any inconsistencies</a:t>
+            </a:r>
+          </a:p>
+          <a:p>
+            <a:r>
+              <a:rPr lang="en-GB" dirty="0">
+                <a:effectLst/>
+              </a:rPr>
+              <a:t>D</a:t>
+            </a:r>
+            <a:r>
+              <a:rPr lang="en-GB" sz="2000" dirty="0">
+                <a:effectLst/>
+              </a:rPr>
+              <a:t>ifference may be when segments of the image whose colour stands out and does not fit or match with the colours of its surrounding pixels</a:t>
+            </a:r>
+          </a:p>
+          <a:p>
+            <a:r>
+              <a:rPr lang="en-GB" dirty="0">
+                <a:effectLst/>
+              </a:rPr>
+              <a:t>S</a:t>
+            </a:r>
+            <a:r>
+              <a:rPr lang="en-GB" sz="2000" dirty="0">
+                <a:effectLst/>
+              </a:rPr>
+              <a:t>teganography algorithms these days produce </a:t>
+            </a:r>
+            <a:r>
+              <a:rPr lang="en-GB" sz="2000" dirty="0" err="1">
+                <a:effectLst/>
+              </a:rPr>
+              <a:t>stego</a:t>
+            </a:r>
+            <a:r>
+              <a:rPr lang="en-GB" sz="2000" dirty="0">
+                <a:effectLst/>
+              </a:rPr>
+              <a:t>-objects which are very similar to the cover image </a:t>
+            </a:r>
+          </a:p>
+          <a:p>
+            <a:r>
+              <a:rPr lang="en-GB" sz="2000" dirty="0">
+                <a:effectLst/>
+              </a:rPr>
+              <a:t>This method can therefore be very difficult when trying to detect for hidden information</a:t>
+            </a:r>
+          </a:p>
+          <a:p>
+            <a:endParaRPr lang="en-GB" sz="2000" dirty="0"/>
+          </a:p>
+        </p:txBody>
+      </p:sp>
+      <p:pic>
+        <p:nvPicPr>
+          <p:cNvPr id="7" name="Graphic 6" descr="Eye">
+            <a:extLst>
+              <a:ext uri="{FF2B5EF4-FFF2-40B4-BE49-F238E27FC236}">
+                <a16:creationId xmlns:a16="http://schemas.microsoft.com/office/drawing/2014/main" id="{7D143CDB-416B-45FC-9E79-EE4B2725E05D}"/>
+              </a:ext>
+            </a:extLst>
+          </p:cNvPr>
+          <p:cNvPicPr>
+            <a:picLocks noChangeAspect="1"/>
+          </p:cNvPicPr>
+          <p:nvPr/>
+        </p:nvPicPr>
+        <p:blipFill>
+          <a:blip r:embed="rId3">
+            <a:extLst>
+              <a:ext uri="{28A0092B-C50C-407E-A947-70E740481C1C}">
+                <a14:useLocalDpi xmlns:a14="http://schemas.microsoft.com/office/drawing/2010/main" val="0"/>
+              </a:ext>
+              <a:ext uri="{96DAC541-7B7A-43D3-8B79-37D633B846F1}">
+                <asvg:svgBlip xmlns:asvg="http://schemas.microsoft.com/office/drawing/2016/SVG/main" r:embed="rId4"/>
+              </a:ext>
+            </a:extLst>
+          </a:blip>
+          <a:stretch>
+            <a:fillRect/>
+          </a:stretch>
+        </p:blipFill>
+        <p:spPr>
+          <a:xfrm>
+            <a:off x="7470289" y="2132822"/>
+            <a:ext cx="3258006" cy="3258006"/>
+          </a:xfrm>
+          <a:prstGeom prst="rect">
+            <a:avLst/>
+          </a:prstGeom>
+        </p:spPr>
+      </p:pic>
+    </p:spTree>
+    <p:extLst>
+      <p:ext uri="{BB962C8B-B14F-4D97-AF65-F5344CB8AC3E}">
+        <p14:creationId xmlns:p14="http://schemas.microsoft.com/office/powerpoint/2010/main" val="373817079"/>
+      </p:ext>
+    </p:extLst>
+  </p:cSld>
+  <p:clrMapOvr>
+    <a:masterClrMapping/>
+  </p:clrMapOvr>
+</p:sld>
+</file>
+
+<file path=ppt/slides/slide9.xml><?xml version="1.0" encoding="utf-8"?>
+<p:sld xmlns:a="http://schemas.openxmlformats.org/drawingml/2006/main" xmlns:r="http://schemas.openxmlformats.org/officeDocument/2006/relationships" xmlns:p="http://schemas.openxmlformats.org/presentationml/2006/main">
+  <p:cSld>
+    <p:bg>
+      <p:bgPr>
+        <a:solidFill>
+          <a:schemeClr val="bg1"/>
+        </a:solidFill>
+        <a:effectLst/>
+      </p:bgPr>
+    </p:bg>
+    <p:spTree>
+      <p:nvGrpSpPr>
+        <p:cNvPr id="1" name=""/>
+        <p:cNvGrpSpPr/>
+        <p:nvPr/>
+      </p:nvGrpSpPr>
+      <p:grpSpPr>
+        <a:xfrm>
+          <a:off x="0" y="0"/>
+          <a:ext cx="0" cy="0"/>
+          <a:chOff x="0" y="0"/>
+          <a:chExt cx="0" cy="0"/>
+        </a:xfrm>
+      </p:grpSpPr>
+      <p:sp>
+        <p:nvSpPr>
+          <p:cNvPr id="10" name="Rectangle 9">
+            <a:extLst>
+              <a:ext uri="{FF2B5EF4-FFF2-40B4-BE49-F238E27FC236}">
+                <a16:creationId xmlns:a16="http://schemas.microsoft.com/office/drawing/2014/main" id="{5BAB7C38-AF9A-43A2-9B1C-F1DEBC80BC7B}"/>
+              </a:ext>
+              <a:ext uri="{C183D7F6-B498-43B3-948B-1728B52AA6E4}">
+                <adec:decorative xmlns:adec="http://schemas.microsoft.com/office/drawing/2017/decorative" val="1"/>
+              </a:ext>
+            </a:extLst>
+          </p:cNvPr>
+          <p:cNvSpPr>
+            <a:spLocks noGrp="1" noRot="1" noChangeAspect="1" noMove="1" noResize="1" noEditPoints="1" noAdjustHandles="1" noChangeArrowheads="1" noChangeShapeType="1" noTextEdit="1"/>
+          </p:cNvSpPr>
+          <p:nvPr>
+            <p:extLst>
+              <p:ext uri="{386F3935-93C4-4BCD-93E2-E3B085C9AB24}">
+                <p16:designElem xmlns:p16="http://schemas.microsoft.com/office/powerpoint/2015/main" val="1"/>
+              </p:ext>
+            </p:extLst>
+          </p:nvPr>
+        </p:nvSpPr>
+        <p:spPr>
+          <a:xfrm>
+            <a:off x="0" y="0"/>
+            <a:ext cx="12186676" cy="2108723"/>
+          </a:xfrm>
+          <a:prstGeom prst="rect">
+            <a:avLst/>
+          </a:prstGeom>
+          <a:ln>
+            <a:noFill/>
+          </a:ln>
+        </p:spPr>
+        <p:style>
+          <a:lnRef idx="2">
+            <a:schemeClr val="accent1">
+              <a:shade val="50000"/>
+            </a:schemeClr>
+          </a:lnRef>
+          <a:fillRef idx="1003">
+            <a:schemeClr val="dk1"/>
+          </a:fillRef>
+          <a:effectRef idx="0">
+            <a:schemeClr val="accent1"/>
+          </a:effectRef>
+          <a:fontRef idx="minor">
+            <a:schemeClr val="lt1"/>
+          </a:fontRef>
+        </p:style>
+        <p:txBody>
+          <a:bodyPr rtlCol="0" anchor="ctr"/>
+          <a:lstStyle/>
+          <a:p>
+            <a:pPr algn="ctr"/>
+            <a:endParaRPr lang="en-US"/>
+          </a:p>
+        </p:txBody>
+      </p:sp>
+      <p:sp>
+        <p:nvSpPr>
+          <p:cNvPr id="2" name="Title 1">
+            <a:extLst>
+              <a:ext uri="{FF2B5EF4-FFF2-40B4-BE49-F238E27FC236}">
+                <a16:creationId xmlns:a16="http://schemas.microsoft.com/office/drawing/2014/main" id="{99BB6003-9B00-4548-A9A1-2DD342609BB2}"/>
+              </a:ext>
+            </a:extLst>
+          </p:cNvPr>
+          <p:cNvSpPr>
+            <a:spLocks noGrp="1"/>
+          </p:cNvSpPr>
+          <p:nvPr>
+            <p:ph type="title"/>
+          </p:nvPr>
+        </p:nvSpPr>
+        <p:spPr>
+          <a:xfrm>
+            <a:off x="913795" y="609600"/>
+            <a:ext cx="10353762" cy="1257300"/>
+          </a:xfrm>
+        </p:spPr>
+        <p:txBody>
+          <a:bodyPr>
+            <a:normAutofit/>
+          </a:bodyPr>
+          <a:lstStyle/>
+          <a:p>
+            <a:r>
+              <a:rPr lang="en-GB" sz="4000" b="1">
+                <a:solidFill>
+                  <a:srgbClr val="FFFFFF"/>
+                </a:solidFill>
+                <a:effectLst/>
+              </a:rPr>
+              <a:t>Steganalysis - Signature and Statistical</a:t>
+            </a:r>
+            <a:endParaRPr lang="en-GB" sz="4000" b="1">
+              <a:solidFill>
+                <a:srgbClr val="FFFFFF"/>
+              </a:solidFill>
+            </a:endParaRPr>
+          </a:p>
+        </p:txBody>
+      </p:sp>
+      <p:pic>
+        <p:nvPicPr>
+          <p:cNvPr id="12" name="Picture 11">
+            <a:extLst>
+              <a:ext uri="{FF2B5EF4-FFF2-40B4-BE49-F238E27FC236}">
+                <a16:creationId xmlns:a16="http://schemas.microsoft.com/office/drawing/2014/main" id="{A8D526D7-C782-4F65-A21F-A6B40D869B47}"/>
+              </a:ext>
+              <a:ext uri="{C183D7F6-B498-43B3-948B-1728B52AA6E4}">
+                <adec:decorative xmlns:adec="http://schemas.microsoft.com/office/drawing/2017/decorative" val="1"/>
+              </a:ext>
+            </a:extLst>
+          </p:cNvPr>
+          <p:cNvPicPr preferRelativeResize="0">
+            <a:picLocks noGrp="1" noRot="1" noChangeAspect="1" noMove="1" noResize="1" noEditPoints="1" noAdjustHandles="1" noChangeArrowheads="1" noChangeShapeType="1" noCrop="1"/>
+          </p:cNvPicPr>
+          <p:nvPr>
+            <p:extLst>
+              <p:ext uri="{386F3935-93C4-4BCD-93E2-E3B085C9AB24}">
+                <p16:designElem xmlns:p16="http://schemas.microsoft.com/office/powerpoint/2015/main" val="1"/>
+              </p:ext>
+            </p:extLst>
+          </p:nvPr>
+        </p:nvPicPr>
+        <p:blipFill rotWithShape="1">
+          <a:blip r:embed="rId2">
+            <a:extLst>
+              <a:ext uri="{28A0092B-C50C-407E-A947-70E740481C1C}">
+                <a14:useLocalDpi xmlns:a14="http://schemas.microsoft.com/office/drawing/2010/main" val="0"/>
+              </a:ext>
+            </a:extLst>
+          </a:blip>
+          <a:srcRect l="798" t="2669" r="616"/>
+          <a:stretch/>
+        </p:blipFill>
+        <p:spPr>
+          <a:xfrm>
+            <a:off x="-5325" y="2049331"/>
+            <a:ext cx="12192001" cy="4808669"/>
+          </a:xfrm>
+          <a:prstGeom prst="rect">
+            <a:avLst/>
+          </a:prstGeom>
+          <a:effectLst>
+            <a:innerShdw blurRad="63500" dist="50800" dir="16200000">
+              <a:prstClr val="black">
+                <a:alpha val="50000"/>
+              </a:prstClr>
+            </a:innerShdw>
+          </a:effectLst>
+        </p:spPr>
+      </p:pic>
+      <p:graphicFrame>
+        <p:nvGraphicFramePr>
+          <p:cNvPr id="5" name="Content Placeholder 2">
+            <a:extLst>
+              <a:ext uri="{FF2B5EF4-FFF2-40B4-BE49-F238E27FC236}">
+                <a16:creationId xmlns:a16="http://schemas.microsoft.com/office/drawing/2014/main" id="{324AAB4D-B998-4922-92C4-7283D4D3D218}"/>
+              </a:ext>
+            </a:extLst>
+          </p:cNvPr>
+          <p:cNvGraphicFramePr>
+            <a:graphicFrameLocks noGrp="1"/>
+          </p:cNvGraphicFramePr>
+          <p:nvPr>
+            <p:ph idx="1"/>
+            <p:extLst>
+              <p:ext uri="{D42A27DB-BD31-4B8C-83A1-F6EECF244321}">
+                <p14:modId xmlns:p14="http://schemas.microsoft.com/office/powerpoint/2010/main" val="428670449"/>
+              </p:ext>
+            </p:extLst>
+          </p:nvPr>
+        </p:nvGraphicFramePr>
+        <p:xfrm>
+          <a:off x="914400" y="2647784"/>
+          <a:ext cx="10353675" cy="3143416"/>
+        </p:xfrm>
+        <a:graphic>
+          <a:graphicData uri="http://schemas.openxmlformats.org/drawingml/2006/diagram">
+            <dgm:relIds xmlns:dgm="http://schemas.openxmlformats.org/drawingml/2006/diagram" xmlns:r="http://schemas.openxmlformats.org/officeDocument/2006/relationships" r:dm="rId3" r:lo="rId4" r:qs="rId5" r:cs="rId6"/>
+          </a:graphicData>
+        </a:graphic>
+      </p:graphicFrame>
+    </p:spTree>
+    <p:extLst>
+      <p:ext uri="{BB962C8B-B14F-4D97-AF65-F5344CB8AC3E}">
+        <p14:creationId xmlns:p14="http://schemas.microsoft.com/office/powerpoint/2010/main" val="1363624851"/>
+      </p:ext>
+    </p:extLst>
+  </p:cSld>
+  <p:clrMapOvr>
+    <a:overrideClrMapping bg1="lt1" tx1="dk1" bg2="lt2" tx2="dk2" accent1="accent1" accent2="accent2" accent3="accent3" accent4="accent4" accent5="accent5" accent6="accent6" hlink="hlink" folHlink="folHlink"/>
+  </p:clrMapOvr>
+</p:sld>
+</file>
+
 <file path=ppt/theme/theme1.xml><?xml version="1.0" encoding="utf-8"?>
 <a:theme xmlns:a="http://schemas.openxmlformats.org/drawingml/2006/main" name="SlateVTI">
   <a:themeElements>
